--- a/Figure1.pptx
+++ b/Figure1.pptx
@@ -6,6 +6,7 @@
   </p:sldMasterIdLst>
   <p:sldIdLst>
     <p:sldId id="256" r:id="rId2"/>
+    <p:sldId id="257" r:id="rId3"/>
   </p:sldIdLst>
   <p:sldSz cx="9906000" cy="6858000" type="A4"/>
   <p:notesSz cx="6858000" cy="9144000"/>
@@ -107,12 +108,12 @@
   <p:extLst>
     <p:ext uri="{EFAFB233-063F-42B5-8137-9DF3F51BA10A}">
       <p15:sldGuideLst xmlns:p15="http://schemas.microsoft.com/office/powerpoint/2012/main">
-        <p15:guide id="1" orient="horz" pos="2304" userDrawn="1">
+        <p15:guide id="1" orient="horz" pos="2256" userDrawn="1">
           <p15:clr>
             <a:srgbClr val="A4A3A4"/>
           </p15:clr>
         </p15:guide>
-        <p15:guide id="2" pos="1536" userDrawn="1">
+        <p15:guide id="2" pos="4104" userDrawn="1">
           <p15:clr>
             <a:srgbClr val="A4A3A4"/>
           </p15:clr>
@@ -254,7 +255,7 @@
           <a:p>
             <a:fld id="{5016C568-F972-E94D-9C78-2E5FD88D3083}" type="datetimeFigureOut">
               <a:rPr lang="en-US" smtClean="0"/>
-              <a:t>12/7/24</a:t>
+              <a:t>12/22/24</a:t>
             </a:fld>
             <a:endParaRPr lang="en-US"/>
           </a:p>
@@ -424,7 +425,7 @@
           <a:p>
             <a:fld id="{5016C568-F972-E94D-9C78-2E5FD88D3083}" type="datetimeFigureOut">
               <a:rPr lang="en-US" smtClean="0"/>
-              <a:t>12/7/24</a:t>
+              <a:t>12/22/24</a:t>
             </a:fld>
             <a:endParaRPr lang="en-US"/>
           </a:p>
@@ -604,7 +605,7 @@
           <a:p>
             <a:fld id="{5016C568-F972-E94D-9C78-2E5FD88D3083}" type="datetimeFigureOut">
               <a:rPr lang="en-US" smtClean="0"/>
-              <a:t>12/7/24</a:t>
+              <a:t>12/22/24</a:t>
             </a:fld>
             <a:endParaRPr lang="en-US"/>
           </a:p>
@@ -774,7 +775,7 @@
           <a:p>
             <a:fld id="{5016C568-F972-E94D-9C78-2E5FD88D3083}" type="datetimeFigureOut">
               <a:rPr lang="en-US" smtClean="0"/>
-              <a:t>12/7/24</a:t>
+              <a:t>12/22/24</a:t>
             </a:fld>
             <a:endParaRPr lang="en-US"/>
           </a:p>
@@ -1020,7 +1021,7 @@
           <a:p>
             <a:fld id="{5016C568-F972-E94D-9C78-2E5FD88D3083}" type="datetimeFigureOut">
               <a:rPr lang="en-US" smtClean="0"/>
-              <a:t>12/7/24</a:t>
+              <a:t>12/22/24</a:t>
             </a:fld>
             <a:endParaRPr lang="en-US"/>
           </a:p>
@@ -1252,7 +1253,7 @@
           <a:p>
             <a:fld id="{5016C568-F972-E94D-9C78-2E5FD88D3083}" type="datetimeFigureOut">
               <a:rPr lang="en-US" smtClean="0"/>
-              <a:t>12/7/24</a:t>
+              <a:t>12/22/24</a:t>
             </a:fld>
             <a:endParaRPr lang="en-US"/>
           </a:p>
@@ -1619,7 +1620,7 @@
           <a:p>
             <a:fld id="{5016C568-F972-E94D-9C78-2E5FD88D3083}" type="datetimeFigureOut">
               <a:rPr lang="en-US" smtClean="0"/>
-              <a:t>12/7/24</a:t>
+              <a:t>12/22/24</a:t>
             </a:fld>
             <a:endParaRPr lang="en-US"/>
           </a:p>
@@ -1737,7 +1738,7 @@
           <a:p>
             <a:fld id="{5016C568-F972-E94D-9C78-2E5FD88D3083}" type="datetimeFigureOut">
               <a:rPr lang="en-US" smtClean="0"/>
-              <a:t>12/7/24</a:t>
+              <a:t>12/22/24</a:t>
             </a:fld>
             <a:endParaRPr lang="en-US"/>
           </a:p>
@@ -1832,7 +1833,7 @@
           <a:p>
             <a:fld id="{5016C568-F972-E94D-9C78-2E5FD88D3083}" type="datetimeFigureOut">
               <a:rPr lang="en-US" smtClean="0"/>
-              <a:t>12/7/24</a:t>
+              <a:t>12/22/24</a:t>
             </a:fld>
             <a:endParaRPr lang="en-US"/>
           </a:p>
@@ -2109,7 +2110,7 @@
           <a:p>
             <a:fld id="{5016C568-F972-E94D-9C78-2E5FD88D3083}" type="datetimeFigureOut">
               <a:rPr lang="en-US" smtClean="0"/>
-              <a:t>12/7/24</a:t>
+              <a:t>12/22/24</a:t>
             </a:fld>
             <a:endParaRPr lang="en-US"/>
           </a:p>
@@ -2366,7 +2367,7 @@
           <a:p>
             <a:fld id="{5016C568-F972-E94D-9C78-2E5FD88D3083}" type="datetimeFigureOut">
               <a:rPr lang="en-US" smtClean="0"/>
-              <a:t>12/7/24</a:t>
+              <a:t>12/22/24</a:t>
             </a:fld>
             <a:endParaRPr lang="en-US"/>
           </a:p>
@@ -2579,7 +2580,7 @@
           <a:p>
             <a:fld id="{5016C568-F972-E94D-9C78-2E5FD88D3083}" type="datetimeFigureOut">
               <a:rPr lang="en-US" smtClean="0"/>
-              <a:t>12/7/24</a:t>
+              <a:t>12/22/24</a:t>
             </a:fld>
             <a:endParaRPr lang="en-US"/>
           </a:p>
@@ -2984,64 +2985,132 @@
           <a:chExt cx="0" cy="0"/>
         </a:xfrm>
       </p:grpSpPr>
-      <p:sp>
-        <p:nvSpPr>
-          <p:cNvPr id="31" name="Rectangle 30">
+      <p:pic>
+        <p:nvPicPr>
+          <p:cNvPr id="9" name="Picture 8" descr="A graph of a graph showing a line and a line&#10;&#10;Description automatically generated with medium confidence">
             <a:extLst>
               <a:ext uri="{FF2B5EF4-FFF2-40B4-BE49-F238E27FC236}">
-                <a16:creationId xmlns:a16="http://schemas.microsoft.com/office/drawing/2014/main" id="{17B567E5-1CC5-7155-2FC8-74E420C5816B}"/>
+                <a16:creationId xmlns:a16="http://schemas.microsoft.com/office/drawing/2014/main" id="{E6FC31EA-4BF7-E964-25BE-BC63BF7A5D86}"/>
               </a:ext>
             </a:extLst>
           </p:cNvPr>
-          <p:cNvSpPr/>
+          <p:cNvPicPr>
+            <a:picLocks noChangeAspect="1"/>
+          </p:cNvPicPr>
           <p:nvPr/>
-        </p:nvSpPr>
+        </p:nvPicPr>
+        <p:blipFill>
+          <a:blip r:embed="rId2"/>
+          <a:stretch>
+            <a:fillRect/>
+          </a:stretch>
+        </p:blipFill>
         <p:spPr>
           <a:xfrm>
-            <a:off x="-19455" y="4950"/>
-            <a:ext cx="9897986" cy="6853050"/>
+            <a:off x="904240" y="493158"/>
+            <a:ext cx="8549640" cy="1078911"/>
           </a:xfrm>
           <a:prstGeom prst="rect">
             <a:avLst/>
           </a:prstGeom>
-          <a:solidFill>
-            <a:schemeClr val="bg1"/>
-          </a:solidFill>
-          <a:ln>
-            <a:noFill/>
-          </a:ln>
         </p:spPr>
-        <p:style>
-          <a:lnRef idx="2">
-            <a:schemeClr val="accent1">
-              <a:shade val="15000"/>
-            </a:schemeClr>
-          </a:lnRef>
-          <a:fillRef idx="1">
-            <a:schemeClr val="accent1"/>
-          </a:fillRef>
-          <a:effectRef idx="0">
-            <a:schemeClr val="accent1"/>
-          </a:effectRef>
-          <a:fontRef idx="minor">
-            <a:schemeClr val="lt1"/>
-          </a:fontRef>
-        </p:style>
-        <p:txBody>
-          <a:bodyPr rtlCol="0" anchor="ctr"/>
-          <a:lstStyle/>
-          <a:p>
-            <a:pPr algn="ctr"/>
-            <a:endParaRPr lang="en-US"/>
-          </a:p>
-        </p:txBody>
-      </p:sp>
+      </p:pic>
+      <p:pic>
+        <p:nvPicPr>
+          <p:cNvPr id="11" name="Picture 10">
+            <a:extLst>
+              <a:ext uri="{FF2B5EF4-FFF2-40B4-BE49-F238E27FC236}">
+                <a16:creationId xmlns:a16="http://schemas.microsoft.com/office/drawing/2014/main" id="{42CC3C5C-DA53-9D46-63E9-0F1FD1E015BB}"/>
+              </a:ext>
+            </a:extLst>
+          </p:cNvPr>
+          <p:cNvPicPr>
+            <a:picLocks noChangeAspect="1"/>
+          </p:cNvPicPr>
+          <p:nvPr/>
+        </p:nvPicPr>
+        <p:blipFill>
+          <a:blip r:embed="rId3"/>
+          <a:stretch>
+            <a:fillRect/>
+          </a:stretch>
+        </p:blipFill>
+        <p:spPr>
+          <a:xfrm>
+            <a:off x="904240" y="1562778"/>
+            <a:ext cx="8549640" cy="933111"/>
+          </a:xfrm>
+          <a:prstGeom prst="rect">
+            <a:avLst/>
+          </a:prstGeom>
+        </p:spPr>
+      </p:pic>
+      <p:pic>
+        <p:nvPicPr>
+          <p:cNvPr id="13" name="Picture 12">
+            <a:extLst>
+              <a:ext uri="{FF2B5EF4-FFF2-40B4-BE49-F238E27FC236}">
+                <a16:creationId xmlns:a16="http://schemas.microsoft.com/office/drawing/2014/main" id="{DC3EA40A-A14A-FD7D-5F31-166D1EA3AA3E}"/>
+              </a:ext>
+            </a:extLst>
+          </p:cNvPr>
+          <p:cNvPicPr>
+            <a:picLocks noChangeAspect="1"/>
+          </p:cNvPicPr>
+          <p:nvPr/>
+        </p:nvPicPr>
+        <p:blipFill>
+          <a:blip r:embed="rId4"/>
+          <a:stretch>
+            <a:fillRect/>
+          </a:stretch>
+        </p:blipFill>
+        <p:spPr>
+          <a:xfrm>
+            <a:off x="904240" y="2495889"/>
+            <a:ext cx="8549640" cy="933111"/>
+          </a:xfrm>
+          <a:prstGeom prst="rect">
+            <a:avLst/>
+          </a:prstGeom>
+        </p:spPr>
+      </p:pic>
+      <p:pic>
+        <p:nvPicPr>
+          <p:cNvPr id="15" name="Picture 14">
+            <a:extLst>
+              <a:ext uri="{FF2B5EF4-FFF2-40B4-BE49-F238E27FC236}">
+                <a16:creationId xmlns:a16="http://schemas.microsoft.com/office/drawing/2014/main" id="{A90E358B-57A3-91C7-1C09-7E0A6304696F}"/>
+              </a:ext>
+            </a:extLst>
+          </p:cNvPr>
+          <p:cNvPicPr>
+            <a:picLocks noChangeAspect="1"/>
+          </p:cNvPicPr>
+          <p:nvPr/>
+        </p:nvPicPr>
+        <p:blipFill>
+          <a:blip r:embed="rId5"/>
+          <a:stretch>
+            <a:fillRect/>
+          </a:stretch>
+        </p:blipFill>
+        <p:spPr>
+          <a:xfrm>
+            <a:off x="904240" y="3429000"/>
+            <a:ext cx="8549640" cy="933111"/>
+          </a:xfrm>
+          <a:prstGeom prst="rect">
+            <a:avLst/>
+          </a:prstGeom>
+        </p:spPr>
+      </p:pic>
       <p:grpSp>
         <p:nvGrpSpPr>
-          <p:cNvPr id="46" name="Group 45">
+          <p:cNvPr id="20" name="Group 19">
             <a:extLst>
               <a:ext uri="{FF2B5EF4-FFF2-40B4-BE49-F238E27FC236}">
-                <a16:creationId xmlns:a16="http://schemas.microsoft.com/office/drawing/2014/main" id="{E8BAE1CA-58B7-B48B-64F1-9B714FA5BCD4}"/>
+                <a16:creationId xmlns:a16="http://schemas.microsoft.com/office/drawing/2014/main" id="{321250B5-8B6F-EEA9-5E78-C862A1D96078}"/>
               </a:ext>
             </a:extLst>
           </p:cNvPr>
@@ -3052,138 +3121,18 @@
         </p:nvGrpSpPr>
         <p:grpSpPr>
           <a:xfrm>
-            <a:off x="-19999" y="4950"/>
-            <a:ext cx="9878835" cy="6728652"/>
-            <a:chOff x="-71137" y="-179034"/>
-            <a:chExt cx="10345064" cy="7046210"/>
+            <a:off x="904240" y="4362111"/>
+            <a:ext cx="8549640" cy="1271365"/>
+            <a:chOff x="2133600" y="3575862"/>
+            <a:chExt cx="7772400" cy="1155786"/>
           </a:xfrm>
         </p:grpSpPr>
         <p:pic>
           <p:nvPicPr>
-            <p:cNvPr id="34" name="Picture 33">
+            <p:cNvPr id="17" name="Picture 16" descr="A graph of a graph showing the time and the time&#10;&#10;Description automatically generated with medium confidence">
               <a:extLst>
                 <a:ext uri="{FF2B5EF4-FFF2-40B4-BE49-F238E27FC236}">
-                  <a16:creationId xmlns:a16="http://schemas.microsoft.com/office/drawing/2014/main" id="{F988329F-38D6-52F0-1C06-C9445E1812FA}"/>
-                </a:ext>
-              </a:extLst>
-            </p:cNvPr>
-            <p:cNvPicPr>
-              <a:picLocks noChangeAspect="1"/>
-            </p:cNvPicPr>
-            <p:nvPr/>
-          </p:nvPicPr>
-          <p:blipFill>
-            <a:blip r:embed="rId2"/>
-            <a:stretch>
-              <a:fillRect/>
-            </a:stretch>
-          </p:blipFill>
-          <p:spPr>
-            <a:xfrm>
-              <a:off x="-71137" y="-179034"/>
-              <a:ext cx="10345064" cy="1531294"/>
-            </a:xfrm>
-            <a:prstGeom prst="rect">
-              <a:avLst/>
-            </a:prstGeom>
-          </p:spPr>
-        </p:pic>
-        <p:pic>
-          <p:nvPicPr>
-            <p:cNvPr id="38" name="Picture 37" descr="A graph with lines and dots&#10;&#10;Description automatically generated">
-              <a:extLst>
-                <a:ext uri="{FF2B5EF4-FFF2-40B4-BE49-F238E27FC236}">
-                  <a16:creationId xmlns:a16="http://schemas.microsoft.com/office/drawing/2014/main" id="{374DD292-B865-B8DF-E5FC-618BB97C5F4A}"/>
-                </a:ext>
-              </a:extLst>
-            </p:cNvPr>
-            <p:cNvPicPr>
-              <a:picLocks noChangeAspect="1"/>
-            </p:cNvPicPr>
-            <p:nvPr/>
-          </p:nvPicPr>
-          <p:blipFill>
-            <a:blip r:embed="rId3"/>
-            <a:stretch>
-              <a:fillRect/>
-            </a:stretch>
-          </p:blipFill>
-          <p:spPr>
-            <a:xfrm>
-              <a:off x="-71137" y="1352260"/>
-              <a:ext cx="10345064" cy="1333709"/>
-            </a:xfrm>
-            <a:prstGeom prst="rect">
-              <a:avLst/>
-            </a:prstGeom>
-          </p:spPr>
-        </p:pic>
-        <p:pic>
-          <p:nvPicPr>
-            <p:cNvPr id="41" name="Picture 40" descr="A graph with lines and dots&#10;&#10;Description automatically generated">
-              <a:extLst>
-                <a:ext uri="{FF2B5EF4-FFF2-40B4-BE49-F238E27FC236}">
-                  <a16:creationId xmlns:a16="http://schemas.microsoft.com/office/drawing/2014/main" id="{813D6F2E-31BB-F0F5-8F4D-AD543E4F1CC8}"/>
-                </a:ext>
-              </a:extLst>
-            </p:cNvPr>
-            <p:cNvPicPr>
-              <a:picLocks noChangeAspect="1"/>
-            </p:cNvPicPr>
-            <p:nvPr/>
-          </p:nvPicPr>
-          <p:blipFill>
-            <a:blip r:embed="rId4"/>
-            <a:stretch>
-              <a:fillRect/>
-            </a:stretch>
-          </p:blipFill>
-          <p:spPr>
-            <a:xfrm>
-              <a:off x="-71137" y="2684369"/>
-              <a:ext cx="10345064" cy="1333709"/>
-            </a:xfrm>
-            <a:prstGeom prst="rect">
-              <a:avLst/>
-            </a:prstGeom>
-          </p:spPr>
-        </p:pic>
-        <p:pic>
-          <p:nvPicPr>
-            <p:cNvPr id="43" name="Picture 42" descr="A graph with blue dots and a line&#10;&#10;Description automatically generated">
-              <a:extLst>
-                <a:ext uri="{FF2B5EF4-FFF2-40B4-BE49-F238E27FC236}">
-                  <a16:creationId xmlns:a16="http://schemas.microsoft.com/office/drawing/2014/main" id="{D834B4BC-8AC6-4678-2158-23A30D6EACE0}"/>
-                </a:ext>
-              </a:extLst>
-            </p:cNvPr>
-            <p:cNvPicPr>
-              <a:picLocks noChangeAspect="1"/>
-            </p:cNvPicPr>
-            <p:nvPr/>
-          </p:nvPicPr>
-          <p:blipFill>
-            <a:blip r:embed="rId5"/>
-            <a:stretch>
-              <a:fillRect/>
-            </a:stretch>
-          </p:blipFill>
-          <p:spPr>
-            <a:xfrm>
-              <a:off x="-71137" y="4016478"/>
-              <a:ext cx="10345064" cy="1333709"/>
-            </a:xfrm>
-            <a:prstGeom prst="rect">
-              <a:avLst/>
-            </a:prstGeom>
-          </p:spPr>
-        </p:pic>
-        <p:pic>
-          <p:nvPicPr>
-            <p:cNvPr id="45" name="Picture 44" descr="A graph with numbers and points&#10;&#10;Description automatically generated">
-              <a:extLst>
-                <a:ext uri="{FF2B5EF4-FFF2-40B4-BE49-F238E27FC236}">
-                  <a16:creationId xmlns:a16="http://schemas.microsoft.com/office/drawing/2014/main" id="{35DBB960-4985-1D4A-7ECA-2111F758478D}"/>
+                  <a16:creationId xmlns:a16="http://schemas.microsoft.com/office/drawing/2014/main" id="{E6559832-5E5F-B704-5F83-DA6F72F1610F}"/>
                 </a:ext>
               </a:extLst>
             </p:cNvPr>
@@ -3200,8 +3149,8 @@
           </p:blipFill>
           <p:spPr>
             <a:xfrm>
-              <a:off x="-71137" y="5349994"/>
-              <a:ext cx="10345064" cy="1517182"/>
+              <a:off x="2133600" y="3575862"/>
+              <a:ext cx="7772400" cy="1155786"/>
             </a:xfrm>
             <a:prstGeom prst="rect">
               <a:avLst/>
@@ -3210,10 +3159,10 @@
         </p:pic>
         <p:pic>
           <p:nvPicPr>
-            <p:cNvPr id="25" name="Picture 24" descr="A diagram of a diagram&#10;&#10;Description automatically generated with medium confidence">
+            <p:cNvPr id="19" name="Picture 18" descr="A graph of a graph showing the growth of the year&#10;&#10;Description automatically generated with medium confidence">
               <a:extLst>
                 <a:ext uri="{FF2B5EF4-FFF2-40B4-BE49-F238E27FC236}">
-                  <a16:creationId xmlns:a16="http://schemas.microsoft.com/office/drawing/2014/main" id="{58182C30-BFA4-1F74-B7C7-7A4B37F61A3E}"/>
+                  <a16:creationId xmlns:a16="http://schemas.microsoft.com/office/drawing/2014/main" id="{F30C39B2-EDF1-DA64-8B32-5F633172ABA1}"/>
                 </a:ext>
               </a:extLst>
             </p:cNvPr>
@@ -3224,28 +3173,57 @@
           </p:nvPicPr>
           <p:blipFill>
             <a:blip r:embed="rId7"/>
-            <a:srcRect l="5870" t="9246" r="3522" b="5235"/>
+            <a:srcRect r="32288"/>
             <a:stretch/>
           </p:blipFill>
           <p:spPr>
             <a:xfrm>
-              <a:off x="2087106" y="113174"/>
-              <a:ext cx="1204226" cy="686524"/>
+              <a:off x="2133600" y="3575862"/>
+              <a:ext cx="5262880" cy="1155786"/>
             </a:xfrm>
             <a:prstGeom prst="rect">
               <a:avLst/>
             </a:prstGeom>
-            <a:ln>
-              <a:solidFill>
-                <a:schemeClr val="tx1">
-                  <a:lumMod val="50000"/>
-                  <a:lumOff val="50000"/>
-                </a:schemeClr>
-              </a:solidFill>
-            </a:ln>
           </p:spPr>
         </p:pic>
       </p:grpSp>
+      <p:pic>
+        <p:nvPicPr>
+          <p:cNvPr id="22" name="Picture 21" descr="A screenshot of a graph&#10;&#10;Description automatically generated">
+            <a:extLst>
+              <a:ext uri="{FF2B5EF4-FFF2-40B4-BE49-F238E27FC236}">
+                <a16:creationId xmlns:a16="http://schemas.microsoft.com/office/drawing/2014/main" id="{9B6621B2-1D16-D400-215C-F9C72C6520C0}"/>
+              </a:ext>
+            </a:extLst>
+          </p:cNvPr>
+          <p:cNvPicPr>
+            <a:picLocks noChangeAspect="1"/>
+          </p:cNvPicPr>
+          <p:nvPr/>
+        </p:nvPicPr>
+        <p:blipFill>
+          <a:blip r:embed="rId8"/>
+          <a:srcRect l="76732" t="33398" r="4183" b="10343"/>
+          <a:stretch/>
+        </p:blipFill>
+        <p:spPr>
+          <a:xfrm>
+            <a:off x="2613758" y="738003"/>
+            <a:ext cx="1114470" cy="488535"/>
+          </a:xfrm>
+          <a:prstGeom prst="rect">
+            <a:avLst/>
+          </a:prstGeom>
+          <a:ln>
+            <a:solidFill>
+              <a:schemeClr val="tx1">
+                <a:lumMod val="65000"/>
+                <a:lumOff val="35000"/>
+              </a:schemeClr>
+            </a:solidFill>
+          </a:ln>
+        </p:spPr>
+      </p:pic>
       <p:sp>
         <p:nvSpPr>
           <p:cNvPr id="26" name="TextBox 25">
@@ -3260,7 +3238,7 @@
         </p:nvSpPr>
         <p:spPr>
           <a:xfrm>
-            <a:off x="90240" y="-14537"/>
+            <a:off x="1328712" y="632414"/>
             <a:ext cx="356188" cy="261610"/>
           </a:xfrm>
           <a:prstGeom prst="rect">
@@ -3302,7 +3280,7 @@
         </p:nvSpPr>
         <p:spPr>
           <a:xfrm>
-            <a:off x="82226" y="1264070"/>
+            <a:off x="4141114" y="632414"/>
             <a:ext cx="364202" cy="261610"/>
           </a:xfrm>
           <a:prstGeom prst="rect">
@@ -3344,7 +3322,7 @@
         </p:nvSpPr>
         <p:spPr>
           <a:xfrm>
-            <a:off x="96652" y="2542677"/>
+            <a:off x="6960037" y="632414"/>
             <a:ext cx="349776" cy="253916"/>
           </a:xfrm>
           <a:prstGeom prst="rect">
@@ -3386,7 +3364,7 @@
         </p:nvSpPr>
         <p:spPr>
           <a:xfrm>
-            <a:off x="82226" y="3813590"/>
+            <a:off x="1328712" y="1566674"/>
             <a:ext cx="364202" cy="261610"/>
           </a:xfrm>
           <a:prstGeom prst="rect">
@@ -3428,7 +3406,7 @@
         </p:nvSpPr>
         <p:spPr>
           <a:xfrm>
-            <a:off x="96652" y="5092196"/>
+            <a:off x="4141114" y="1566674"/>
             <a:ext cx="349776" cy="253916"/>
           </a:xfrm>
           <a:prstGeom prst="rect">
@@ -3456,10 +3434,1005 @@
           </a:p>
         </p:txBody>
       </p:sp>
+      <p:sp>
+        <p:nvSpPr>
+          <p:cNvPr id="24" name="TextBox 23">
+            <a:extLst>
+              <a:ext uri="{FF2B5EF4-FFF2-40B4-BE49-F238E27FC236}">
+                <a16:creationId xmlns:a16="http://schemas.microsoft.com/office/drawing/2014/main" id="{DFC9AB62-971D-7C84-E44F-64B8F5AF14FD}"/>
+              </a:ext>
+            </a:extLst>
+          </p:cNvPr>
+          <p:cNvSpPr txBox="1"/>
+          <p:nvPr/>
+        </p:nvSpPr>
+        <p:spPr>
+          <a:xfrm>
+            <a:off x="6960037" y="1566674"/>
+            <a:ext cx="319318" cy="253916"/>
+          </a:xfrm>
+          <a:prstGeom prst="rect">
+            <a:avLst/>
+          </a:prstGeom>
+          <a:noFill/>
+        </p:spPr>
+        <p:txBody>
+          <a:bodyPr wrap="none" rtlCol="0">
+            <a:spAutoFit/>
+          </a:bodyPr>
+          <a:lstStyle/>
+          <a:p>
+            <a:r>
+              <a:rPr lang="en-US" sz="1050" b="1" dirty="0">
+                <a:latin typeface="Arial" panose="020B0604020202020204" pitchFamily="34" charset="0"/>
+                <a:cs typeface="Arial" panose="020B0604020202020204" pitchFamily="34" charset="0"/>
+              </a:rPr>
+              <a:t>(f)</a:t>
+            </a:r>
+            <a:endParaRPr lang="en-US" sz="1400" b="1" dirty="0">
+              <a:latin typeface="Arial" panose="020B0604020202020204" pitchFamily="34" charset="0"/>
+              <a:cs typeface="Arial" panose="020B0604020202020204" pitchFamily="34" charset="0"/>
+            </a:endParaRPr>
+          </a:p>
+        </p:txBody>
+      </p:sp>
+      <p:sp>
+        <p:nvSpPr>
+          <p:cNvPr id="32" name="TextBox 31">
+            <a:extLst>
+              <a:ext uri="{FF2B5EF4-FFF2-40B4-BE49-F238E27FC236}">
+                <a16:creationId xmlns:a16="http://schemas.microsoft.com/office/drawing/2014/main" id="{55CD6327-38B7-D543-359D-8B2415DC399E}"/>
+              </a:ext>
+            </a:extLst>
+          </p:cNvPr>
+          <p:cNvSpPr txBox="1"/>
+          <p:nvPr/>
+        </p:nvSpPr>
+        <p:spPr>
+          <a:xfrm>
+            <a:off x="1328712" y="2495889"/>
+            <a:ext cx="356188" cy="253916"/>
+          </a:xfrm>
+          <a:prstGeom prst="rect">
+            <a:avLst/>
+          </a:prstGeom>
+          <a:noFill/>
+        </p:spPr>
+        <p:txBody>
+          <a:bodyPr wrap="none" rtlCol="0">
+            <a:spAutoFit/>
+          </a:bodyPr>
+          <a:lstStyle/>
+          <a:p>
+            <a:r>
+              <a:rPr lang="en-US" sz="1050" b="1" dirty="0">
+                <a:latin typeface="Arial" panose="020B0604020202020204" pitchFamily="34" charset="0"/>
+                <a:cs typeface="Arial" panose="020B0604020202020204" pitchFamily="34" charset="0"/>
+              </a:rPr>
+              <a:t>(g)</a:t>
+            </a:r>
+            <a:endParaRPr lang="en-US" sz="1400" b="1" dirty="0">
+              <a:latin typeface="Arial" panose="020B0604020202020204" pitchFamily="34" charset="0"/>
+              <a:cs typeface="Arial" panose="020B0604020202020204" pitchFamily="34" charset="0"/>
+            </a:endParaRPr>
+          </a:p>
+        </p:txBody>
+      </p:sp>
+      <p:sp>
+        <p:nvSpPr>
+          <p:cNvPr id="33" name="TextBox 32">
+            <a:extLst>
+              <a:ext uri="{FF2B5EF4-FFF2-40B4-BE49-F238E27FC236}">
+                <a16:creationId xmlns:a16="http://schemas.microsoft.com/office/drawing/2014/main" id="{D8949C69-4867-8DCB-477F-0D892021E57C}"/>
+              </a:ext>
+            </a:extLst>
+          </p:cNvPr>
+          <p:cNvSpPr txBox="1"/>
+          <p:nvPr/>
+        </p:nvSpPr>
+        <p:spPr>
+          <a:xfrm>
+            <a:off x="4141114" y="2495889"/>
+            <a:ext cx="356188" cy="253916"/>
+          </a:xfrm>
+          <a:prstGeom prst="rect">
+            <a:avLst/>
+          </a:prstGeom>
+          <a:noFill/>
+        </p:spPr>
+        <p:txBody>
+          <a:bodyPr wrap="none" rtlCol="0">
+            <a:spAutoFit/>
+          </a:bodyPr>
+          <a:lstStyle/>
+          <a:p>
+            <a:r>
+              <a:rPr lang="en-US" sz="1050" b="1" dirty="0">
+                <a:latin typeface="Arial" panose="020B0604020202020204" pitchFamily="34" charset="0"/>
+                <a:cs typeface="Arial" panose="020B0604020202020204" pitchFamily="34" charset="0"/>
+              </a:rPr>
+              <a:t>(h)</a:t>
+            </a:r>
+            <a:endParaRPr lang="en-US" sz="1400" b="1" dirty="0">
+              <a:latin typeface="Arial" panose="020B0604020202020204" pitchFamily="34" charset="0"/>
+              <a:cs typeface="Arial" panose="020B0604020202020204" pitchFamily="34" charset="0"/>
+            </a:endParaRPr>
+          </a:p>
+        </p:txBody>
+      </p:sp>
+      <p:sp>
+        <p:nvSpPr>
+          <p:cNvPr id="35" name="TextBox 34">
+            <a:extLst>
+              <a:ext uri="{FF2B5EF4-FFF2-40B4-BE49-F238E27FC236}">
+                <a16:creationId xmlns:a16="http://schemas.microsoft.com/office/drawing/2014/main" id="{45C71BE8-F003-5590-864F-9BA39B769967}"/>
+              </a:ext>
+            </a:extLst>
+          </p:cNvPr>
+          <p:cNvSpPr txBox="1"/>
+          <p:nvPr/>
+        </p:nvSpPr>
+        <p:spPr>
+          <a:xfrm>
+            <a:off x="6960037" y="2495889"/>
+            <a:ext cx="311304" cy="253916"/>
+          </a:xfrm>
+          <a:prstGeom prst="rect">
+            <a:avLst/>
+          </a:prstGeom>
+          <a:noFill/>
+        </p:spPr>
+        <p:txBody>
+          <a:bodyPr wrap="none" rtlCol="0">
+            <a:spAutoFit/>
+          </a:bodyPr>
+          <a:lstStyle/>
+          <a:p>
+            <a:r>
+              <a:rPr lang="en-US" sz="1050" b="1" dirty="0">
+                <a:latin typeface="Arial" panose="020B0604020202020204" pitchFamily="34" charset="0"/>
+                <a:cs typeface="Arial" panose="020B0604020202020204" pitchFamily="34" charset="0"/>
+              </a:rPr>
+              <a:t>(</a:t>
+            </a:r>
+            <a:r>
+              <a:rPr lang="en-US" sz="1050" b="1" dirty="0" err="1">
+                <a:latin typeface="Arial" panose="020B0604020202020204" pitchFamily="34" charset="0"/>
+                <a:cs typeface="Arial" panose="020B0604020202020204" pitchFamily="34" charset="0"/>
+              </a:rPr>
+              <a:t>i</a:t>
+            </a:r>
+            <a:r>
+              <a:rPr lang="en-US" sz="1050" b="1" dirty="0">
+                <a:latin typeface="Arial" panose="020B0604020202020204" pitchFamily="34" charset="0"/>
+                <a:cs typeface="Arial" panose="020B0604020202020204" pitchFamily="34" charset="0"/>
+              </a:rPr>
+              <a:t>)</a:t>
+            </a:r>
+            <a:endParaRPr lang="en-US" sz="1400" b="1" dirty="0">
+              <a:latin typeface="Arial" panose="020B0604020202020204" pitchFamily="34" charset="0"/>
+              <a:cs typeface="Arial" panose="020B0604020202020204" pitchFamily="34" charset="0"/>
+            </a:endParaRPr>
+          </a:p>
+        </p:txBody>
+      </p:sp>
+      <p:sp>
+        <p:nvSpPr>
+          <p:cNvPr id="36" name="TextBox 35">
+            <a:extLst>
+              <a:ext uri="{FF2B5EF4-FFF2-40B4-BE49-F238E27FC236}">
+                <a16:creationId xmlns:a16="http://schemas.microsoft.com/office/drawing/2014/main" id="{7B2D3206-FBD7-4919-602E-45E17C73E68A}"/>
+              </a:ext>
+            </a:extLst>
+          </p:cNvPr>
+          <p:cNvSpPr txBox="1"/>
+          <p:nvPr/>
+        </p:nvSpPr>
+        <p:spPr>
+          <a:xfrm>
+            <a:off x="1328712" y="3427500"/>
+            <a:ext cx="311304" cy="253916"/>
+          </a:xfrm>
+          <a:prstGeom prst="rect">
+            <a:avLst/>
+          </a:prstGeom>
+          <a:noFill/>
+        </p:spPr>
+        <p:txBody>
+          <a:bodyPr wrap="none" rtlCol="0">
+            <a:spAutoFit/>
+          </a:bodyPr>
+          <a:lstStyle/>
+          <a:p>
+            <a:r>
+              <a:rPr lang="en-US" sz="1050" b="1" dirty="0">
+                <a:latin typeface="Arial" panose="020B0604020202020204" pitchFamily="34" charset="0"/>
+                <a:cs typeface="Arial" panose="020B0604020202020204" pitchFamily="34" charset="0"/>
+              </a:rPr>
+              <a:t>(j)</a:t>
+            </a:r>
+            <a:endParaRPr lang="en-US" sz="1400" b="1" dirty="0">
+              <a:latin typeface="Arial" panose="020B0604020202020204" pitchFamily="34" charset="0"/>
+              <a:cs typeface="Arial" panose="020B0604020202020204" pitchFamily="34" charset="0"/>
+            </a:endParaRPr>
+          </a:p>
+        </p:txBody>
+      </p:sp>
+      <p:sp>
+        <p:nvSpPr>
+          <p:cNvPr id="37" name="TextBox 36">
+            <a:extLst>
+              <a:ext uri="{FF2B5EF4-FFF2-40B4-BE49-F238E27FC236}">
+                <a16:creationId xmlns:a16="http://schemas.microsoft.com/office/drawing/2014/main" id="{CDD46CFF-76C8-5C2F-ADFB-567FB591210C}"/>
+              </a:ext>
+            </a:extLst>
+          </p:cNvPr>
+          <p:cNvSpPr txBox="1"/>
+          <p:nvPr/>
+        </p:nvSpPr>
+        <p:spPr>
+          <a:xfrm>
+            <a:off x="4141114" y="3427500"/>
+            <a:ext cx="349776" cy="253916"/>
+          </a:xfrm>
+          <a:prstGeom prst="rect">
+            <a:avLst/>
+          </a:prstGeom>
+          <a:noFill/>
+        </p:spPr>
+        <p:txBody>
+          <a:bodyPr wrap="none" rtlCol="0">
+            <a:spAutoFit/>
+          </a:bodyPr>
+          <a:lstStyle/>
+          <a:p>
+            <a:r>
+              <a:rPr lang="en-US" sz="1050" b="1" dirty="0">
+                <a:latin typeface="Arial" panose="020B0604020202020204" pitchFamily="34" charset="0"/>
+                <a:cs typeface="Arial" panose="020B0604020202020204" pitchFamily="34" charset="0"/>
+              </a:rPr>
+              <a:t>(k)</a:t>
+            </a:r>
+            <a:endParaRPr lang="en-US" sz="1400" b="1" dirty="0">
+              <a:latin typeface="Arial" panose="020B0604020202020204" pitchFamily="34" charset="0"/>
+              <a:cs typeface="Arial" panose="020B0604020202020204" pitchFamily="34" charset="0"/>
+            </a:endParaRPr>
+          </a:p>
+        </p:txBody>
+      </p:sp>
+      <p:sp>
+        <p:nvSpPr>
+          <p:cNvPr id="39" name="TextBox 38">
+            <a:extLst>
+              <a:ext uri="{FF2B5EF4-FFF2-40B4-BE49-F238E27FC236}">
+                <a16:creationId xmlns:a16="http://schemas.microsoft.com/office/drawing/2014/main" id="{7F70689F-93AB-DE36-DDE3-12A239310F53}"/>
+              </a:ext>
+            </a:extLst>
+          </p:cNvPr>
+          <p:cNvSpPr txBox="1"/>
+          <p:nvPr/>
+        </p:nvSpPr>
+        <p:spPr>
+          <a:xfrm>
+            <a:off x="6960037" y="3427500"/>
+            <a:ext cx="311304" cy="253916"/>
+          </a:xfrm>
+          <a:prstGeom prst="rect">
+            <a:avLst/>
+          </a:prstGeom>
+          <a:noFill/>
+        </p:spPr>
+        <p:txBody>
+          <a:bodyPr wrap="none" rtlCol="0">
+            <a:spAutoFit/>
+          </a:bodyPr>
+          <a:lstStyle/>
+          <a:p>
+            <a:r>
+              <a:rPr lang="en-US" sz="1050" b="1" dirty="0">
+                <a:latin typeface="Arial" panose="020B0604020202020204" pitchFamily="34" charset="0"/>
+                <a:cs typeface="Arial" panose="020B0604020202020204" pitchFamily="34" charset="0"/>
+              </a:rPr>
+              <a:t>(l)</a:t>
+            </a:r>
+            <a:endParaRPr lang="en-US" sz="1400" b="1" dirty="0">
+              <a:latin typeface="Arial" panose="020B0604020202020204" pitchFamily="34" charset="0"/>
+              <a:cs typeface="Arial" panose="020B0604020202020204" pitchFamily="34" charset="0"/>
+            </a:endParaRPr>
+          </a:p>
+        </p:txBody>
+      </p:sp>
+      <p:sp>
+        <p:nvSpPr>
+          <p:cNvPr id="40" name="TextBox 39">
+            <a:extLst>
+              <a:ext uri="{FF2B5EF4-FFF2-40B4-BE49-F238E27FC236}">
+                <a16:creationId xmlns:a16="http://schemas.microsoft.com/office/drawing/2014/main" id="{1DF9C43A-645D-E24A-7D70-F547A2E8CD03}"/>
+              </a:ext>
+            </a:extLst>
+          </p:cNvPr>
+          <p:cNvSpPr txBox="1"/>
+          <p:nvPr/>
+        </p:nvSpPr>
+        <p:spPr>
+          <a:xfrm>
+            <a:off x="1328712" y="4354067"/>
+            <a:ext cx="394660" cy="253916"/>
+          </a:xfrm>
+          <a:prstGeom prst="rect">
+            <a:avLst/>
+          </a:prstGeom>
+          <a:noFill/>
+        </p:spPr>
+        <p:txBody>
+          <a:bodyPr wrap="none" rtlCol="0">
+            <a:spAutoFit/>
+          </a:bodyPr>
+          <a:lstStyle/>
+          <a:p>
+            <a:r>
+              <a:rPr lang="en-US" sz="1050" b="1" dirty="0">
+                <a:latin typeface="Arial" panose="020B0604020202020204" pitchFamily="34" charset="0"/>
+                <a:cs typeface="Arial" panose="020B0604020202020204" pitchFamily="34" charset="0"/>
+              </a:rPr>
+              <a:t>(m)</a:t>
+            </a:r>
+            <a:endParaRPr lang="en-US" sz="1400" b="1" dirty="0">
+              <a:latin typeface="Arial" panose="020B0604020202020204" pitchFamily="34" charset="0"/>
+              <a:cs typeface="Arial" panose="020B0604020202020204" pitchFamily="34" charset="0"/>
+            </a:endParaRPr>
+          </a:p>
+        </p:txBody>
+      </p:sp>
+      <p:sp>
+        <p:nvSpPr>
+          <p:cNvPr id="42" name="TextBox 41">
+            <a:extLst>
+              <a:ext uri="{FF2B5EF4-FFF2-40B4-BE49-F238E27FC236}">
+                <a16:creationId xmlns:a16="http://schemas.microsoft.com/office/drawing/2014/main" id="{39AB0AC7-B675-BAE6-ED1C-D5E3EDD42224}"/>
+              </a:ext>
+            </a:extLst>
+          </p:cNvPr>
+          <p:cNvSpPr txBox="1"/>
+          <p:nvPr/>
+        </p:nvSpPr>
+        <p:spPr>
+          <a:xfrm>
+            <a:off x="4141114" y="4354067"/>
+            <a:ext cx="356188" cy="253916"/>
+          </a:xfrm>
+          <a:prstGeom prst="rect">
+            <a:avLst/>
+          </a:prstGeom>
+          <a:noFill/>
+        </p:spPr>
+        <p:txBody>
+          <a:bodyPr wrap="none" rtlCol="0">
+            <a:spAutoFit/>
+          </a:bodyPr>
+          <a:lstStyle/>
+          <a:p>
+            <a:r>
+              <a:rPr lang="en-US" sz="1050" b="1" dirty="0">
+                <a:latin typeface="Arial" panose="020B0604020202020204" pitchFamily="34" charset="0"/>
+                <a:cs typeface="Arial" panose="020B0604020202020204" pitchFamily="34" charset="0"/>
+              </a:rPr>
+              <a:t>(n)</a:t>
+            </a:r>
+            <a:endParaRPr lang="en-US" sz="1400" b="1" dirty="0">
+              <a:latin typeface="Arial" panose="020B0604020202020204" pitchFamily="34" charset="0"/>
+              <a:cs typeface="Arial" panose="020B0604020202020204" pitchFamily="34" charset="0"/>
+            </a:endParaRPr>
+          </a:p>
+        </p:txBody>
+      </p:sp>
+      <p:sp>
+        <p:nvSpPr>
+          <p:cNvPr id="44" name="TextBox 43">
+            <a:extLst>
+              <a:ext uri="{FF2B5EF4-FFF2-40B4-BE49-F238E27FC236}">
+                <a16:creationId xmlns:a16="http://schemas.microsoft.com/office/drawing/2014/main" id="{A90B7B03-661C-8B5E-77E5-BF48A29ACA4D}"/>
+              </a:ext>
+            </a:extLst>
+          </p:cNvPr>
+          <p:cNvSpPr txBox="1"/>
+          <p:nvPr/>
+        </p:nvSpPr>
+        <p:spPr>
+          <a:xfrm>
+            <a:off x="6960037" y="4354067"/>
+            <a:ext cx="356188" cy="253916"/>
+          </a:xfrm>
+          <a:prstGeom prst="rect">
+            <a:avLst/>
+          </a:prstGeom>
+          <a:noFill/>
+        </p:spPr>
+        <p:txBody>
+          <a:bodyPr wrap="none" rtlCol="0">
+            <a:spAutoFit/>
+          </a:bodyPr>
+          <a:lstStyle/>
+          <a:p>
+            <a:r>
+              <a:rPr lang="en-US" sz="1050" b="1" dirty="0">
+                <a:latin typeface="Arial" panose="020B0604020202020204" pitchFamily="34" charset="0"/>
+                <a:cs typeface="Arial" panose="020B0604020202020204" pitchFamily="34" charset="0"/>
+              </a:rPr>
+              <a:t>(o)</a:t>
+            </a:r>
+            <a:endParaRPr lang="en-US" sz="1400" b="1" dirty="0">
+              <a:latin typeface="Arial" panose="020B0604020202020204" pitchFamily="34" charset="0"/>
+              <a:cs typeface="Arial" panose="020B0604020202020204" pitchFamily="34" charset="0"/>
+            </a:endParaRPr>
+          </a:p>
+        </p:txBody>
+      </p:sp>
     </p:spTree>
     <p:extLst>
       <p:ext uri="{BB962C8B-B14F-4D97-AF65-F5344CB8AC3E}">
         <p14:creationId xmlns:p14="http://schemas.microsoft.com/office/powerpoint/2010/main" val="222492533"/>
+      </p:ext>
+    </p:extLst>
+  </p:cSld>
+  <p:clrMapOvr>
+    <a:masterClrMapping/>
+  </p:clrMapOvr>
+</p:sld>
+</file>
+
+<file path=ppt/slides/slide2.xml><?xml version="1.0" encoding="utf-8"?>
+<p:sld xmlns:a="http://schemas.openxmlformats.org/drawingml/2006/main" xmlns:r="http://schemas.openxmlformats.org/officeDocument/2006/relationships" xmlns:p="http://schemas.openxmlformats.org/presentationml/2006/main">
+  <p:cSld>
+    <p:spTree>
+      <p:nvGrpSpPr>
+        <p:cNvPr id="1" name=""/>
+        <p:cNvGrpSpPr/>
+        <p:nvPr/>
+      </p:nvGrpSpPr>
+      <p:grpSpPr>
+        <a:xfrm>
+          <a:off x="0" y="0"/>
+          <a:ext cx="0" cy="0"/>
+          <a:chOff x="0" y="0"/>
+          <a:chExt cx="0" cy="0"/>
+        </a:xfrm>
+      </p:grpSpPr>
+      <p:pic>
+        <p:nvPicPr>
+          <p:cNvPr id="3" name="Picture 2">
+            <a:extLst>
+              <a:ext uri="{FF2B5EF4-FFF2-40B4-BE49-F238E27FC236}">
+                <a16:creationId xmlns:a16="http://schemas.microsoft.com/office/drawing/2014/main" id="{C80D96E5-93E2-0D50-BC4D-76C50BB8DCD8}"/>
+              </a:ext>
+            </a:extLst>
+          </p:cNvPr>
+          <p:cNvPicPr>
+            <a:picLocks noChangeAspect="1"/>
+          </p:cNvPicPr>
+          <p:nvPr/>
+        </p:nvPicPr>
+        <p:blipFill>
+          <a:blip r:embed="rId2"/>
+          <a:stretch>
+            <a:fillRect/>
+          </a:stretch>
+        </p:blipFill>
+        <p:spPr>
+          <a:xfrm>
+            <a:off x="2552700" y="0"/>
+            <a:ext cx="4800600" cy="6858000"/>
+          </a:xfrm>
+          <a:prstGeom prst="rect">
+            <a:avLst/>
+          </a:prstGeom>
+        </p:spPr>
+      </p:pic>
+      <p:sp>
+        <p:nvSpPr>
+          <p:cNvPr id="6" name="Left Brace 5">
+            <a:extLst>
+              <a:ext uri="{FF2B5EF4-FFF2-40B4-BE49-F238E27FC236}">
+                <a16:creationId xmlns:a16="http://schemas.microsoft.com/office/drawing/2014/main" id="{7954941B-E93C-D44E-5F91-2F13659EFA37}"/>
+              </a:ext>
+            </a:extLst>
+          </p:cNvPr>
+          <p:cNvSpPr/>
+          <p:nvPr/>
+        </p:nvSpPr>
+        <p:spPr>
+          <a:xfrm rot="5400000">
+            <a:off x="3899743" y="252143"/>
+            <a:ext cx="98450" cy="299378"/>
+          </a:xfrm>
+          <a:prstGeom prst="leftBrace">
+            <a:avLst>
+              <a:gd name="adj1" fmla="val 74410"/>
+              <a:gd name="adj2" fmla="val 48939"/>
+            </a:avLst>
+          </a:prstGeom>
+          <a:ln w="12700">
+            <a:solidFill>
+              <a:srgbClr val="747474"/>
+            </a:solidFill>
+          </a:ln>
+        </p:spPr>
+        <p:style>
+          <a:lnRef idx="2">
+            <a:schemeClr val="accent1"/>
+          </a:lnRef>
+          <a:fillRef idx="0">
+            <a:schemeClr val="accent1"/>
+          </a:fillRef>
+          <a:effectRef idx="1">
+            <a:schemeClr val="accent1"/>
+          </a:effectRef>
+          <a:fontRef idx="minor">
+            <a:schemeClr val="tx1"/>
+          </a:fontRef>
+        </p:style>
+        <p:txBody>
+          <a:bodyPr rtlCol="0" anchor="ctr"/>
+          <a:lstStyle/>
+          <a:p>
+            <a:pPr algn="ctr"/>
+            <a:endParaRPr lang="en-US"/>
+          </a:p>
+        </p:txBody>
+      </p:sp>
+      <p:sp>
+        <p:nvSpPr>
+          <p:cNvPr id="7" name="Left Brace 6">
+            <a:extLst>
+              <a:ext uri="{FF2B5EF4-FFF2-40B4-BE49-F238E27FC236}">
+                <a16:creationId xmlns:a16="http://schemas.microsoft.com/office/drawing/2014/main" id="{599C8907-0557-1A8F-37D5-7F29C399CFBA}"/>
+              </a:ext>
+            </a:extLst>
+          </p:cNvPr>
+          <p:cNvSpPr/>
+          <p:nvPr/>
+        </p:nvSpPr>
+        <p:spPr>
+          <a:xfrm rot="16200000" flipH="1" flipV="1">
+            <a:off x="4200549" y="1235386"/>
+            <a:ext cx="98451" cy="597823"/>
+          </a:xfrm>
+          <a:prstGeom prst="leftBrace">
+            <a:avLst>
+              <a:gd name="adj1" fmla="val 151807"/>
+              <a:gd name="adj2" fmla="val 50000"/>
+            </a:avLst>
+          </a:prstGeom>
+          <a:ln w="12700">
+            <a:solidFill>
+              <a:srgbClr val="747474"/>
+            </a:solidFill>
+          </a:ln>
+        </p:spPr>
+        <p:style>
+          <a:lnRef idx="2">
+            <a:schemeClr val="accent1"/>
+          </a:lnRef>
+          <a:fillRef idx="0">
+            <a:schemeClr val="accent1"/>
+          </a:fillRef>
+          <a:effectRef idx="1">
+            <a:schemeClr val="accent1"/>
+          </a:effectRef>
+          <a:fontRef idx="minor">
+            <a:schemeClr val="tx1"/>
+          </a:fontRef>
+        </p:style>
+        <p:txBody>
+          <a:bodyPr rtlCol="0" anchor="ctr"/>
+          <a:lstStyle/>
+          <a:p>
+            <a:pPr algn="ctr"/>
+            <a:endParaRPr lang="en-US"/>
+          </a:p>
+        </p:txBody>
+      </p:sp>
+      <mc:AlternateContent xmlns:mc="http://schemas.openxmlformats.org/markup-compatibility/2006" xmlns:a14="http://schemas.microsoft.com/office/drawing/2010/main">
+        <mc:Choice Requires="a14">
+          <p:sp>
+            <p:nvSpPr>
+              <p:cNvPr id="8" name="TextBox 7">
+                <a:extLst>
+                  <a:ext uri="{FF2B5EF4-FFF2-40B4-BE49-F238E27FC236}">
+                    <a16:creationId xmlns:a16="http://schemas.microsoft.com/office/drawing/2014/main" id="{53DB1F67-8209-47BD-EB45-BC3DB85D312D}"/>
+                  </a:ext>
+                </a:extLst>
+              </p:cNvPr>
+              <p:cNvSpPr txBox="1"/>
+              <p:nvPr/>
+            </p:nvSpPr>
+            <p:spPr>
+              <a:xfrm>
+                <a:off x="3783404" y="143421"/>
+                <a:ext cx="347788" cy="261610"/>
+              </a:xfrm>
+              <a:prstGeom prst="rect">
+                <a:avLst/>
+              </a:prstGeom>
+              <a:noFill/>
+            </p:spPr>
+            <p:txBody>
+              <a:bodyPr wrap="none" rtlCol="0">
+                <a:spAutoFit/>
+              </a:bodyPr>
+              <a:lstStyle/>
+              <a:p>
+                <a:pPr/>
+                <a14:m>
+                  <m:oMathPara xmlns:m="http://schemas.openxmlformats.org/officeDocument/2006/math">
+                    <m:oMathParaPr>
+                      <m:jc m:val="centerGroup"/>
+                    </m:oMathParaPr>
+                    <m:oMath xmlns:m="http://schemas.openxmlformats.org/officeDocument/2006/math">
+                      <m:sSub>
+                        <m:sSubPr>
+                          <m:ctrlPr>
+                            <a:rPr lang="en-US" sz="1050" i="1" smtClean="0">
+                              <a:latin typeface="Cambria Math" panose="02040503050406030204" pitchFamily="18" charset="0"/>
+                            </a:rPr>
+                          </m:ctrlPr>
+                        </m:sSubPr>
+                        <m:e>
+                          <m:r>
+                            <a:rPr lang="en-US" sz="1050" b="0" i="1" smtClean="0">
+                              <a:latin typeface="Cambria Math" panose="02040503050406030204" pitchFamily="18" charset="0"/>
+                            </a:rPr>
+                            <m:t>𝑆</m:t>
+                          </m:r>
+                        </m:e>
+                        <m:sub>
+                          <m:r>
+                            <a:rPr lang="en-US" sz="1050" b="0" i="1" smtClean="0">
+                              <a:latin typeface="Cambria Math" panose="02040503050406030204" pitchFamily="18" charset="0"/>
+                            </a:rPr>
+                            <m:t>3</m:t>
+                          </m:r>
+                        </m:sub>
+                      </m:sSub>
+                    </m:oMath>
+                  </m:oMathPara>
+                </a14:m>
+                <a:endParaRPr lang="en-US" sz="1050" dirty="0"/>
+              </a:p>
+            </p:txBody>
+          </p:sp>
+        </mc:Choice>
+        <mc:Fallback xmlns="">
+          <p:sp>
+            <p:nvSpPr>
+              <p:cNvPr id="8" name="TextBox 7">
+                <a:extLst>
+                  <a:ext uri="{FF2B5EF4-FFF2-40B4-BE49-F238E27FC236}">
+                    <a16:creationId xmlns:a16="http://schemas.microsoft.com/office/drawing/2014/main" id="{53DB1F67-8209-47BD-EB45-BC3DB85D312D}"/>
+                  </a:ext>
+                </a:extLst>
+              </p:cNvPr>
+              <p:cNvSpPr txBox="1">
+                <a:spLocks noRot="1" noChangeAspect="1" noMove="1" noResize="1" noEditPoints="1" noAdjustHandles="1" noChangeArrowheads="1" noChangeShapeType="1" noTextEdit="1"/>
+              </p:cNvSpPr>
+              <p:nvPr/>
+            </p:nvSpPr>
+            <p:spPr>
+              <a:xfrm>
+                <a:off x="3783404" y="143421"/>
+                <a:ext cx="347788" cy="261610"/>
+              </a:xfrm>
+              <a:prstGeom prst="rect">
+                <a:avLst/>
+              </a:prstGeom>
+              <a:blipFill>
+                <a:blip r:embed="rId3"/>
+                <a:stretch>
+                  <a:fillRect/>
+                </a:stretch>
+              </a:blipFill>
+            </p:spPr>
+            <p:txBody>
+              <a:bodyPr/>
+              <a:lstStyle/>
+              <a:p>
+                <a:r>
+                  <a:rPr lang="en-US">
+                    <a:noFill/>
+                  </a:rPr>
+                  <a:t> </a:t>
+                </a:r>
+              </a:p>
+            </p:txBody>
+          </p:sp>
+        </mc:Fallback>
+      </mc:AlternateContent>
+      <mc:AlternateContent xmlns:mc="http://schemas.openxmlformats.org/markup-compatibility/2006" xmlns:a14="http://schemas.microsoft.com/office/drawing/2010/main">
+        <mc:Choice Requires="a14">
+          <p:sp>
+            <p:nvSpPr>
+              <p:cNvPr id="9" name="TextBox 8">
+                <a:extLst>
+                  <a:ext uri="{FF2B5EF4-FFF2-40B4-BE49-F238E27FC236}">
+                    <a16:creationId xmlns:a16="http://schemas.microsoft.com/office/drawing/2014/main" id="{78C76B73-13AB-DC8A-9699-E4820EF039A8}"/>
+                  </a:ext>
+                </a:extLst>
+              </p:cNvPr>
+              <p:cNvSpPr txBox="1"/>
+              <p:nvPr/>
+            </p:nvSpPr>
+            <p:spPr>
+              <a:xfrm>
+                <a:off x="4098657" y="1269488"/>
+                <a:ext cx="338234" cy="253916"/>
+              </a:xfrm>
+              <a:prstGeom prst="rect">
+                <a:avLst/>
+              </a:prstGeom>
+              <a:noFill/>
+            </p:spPr>
+            <p:txBody>
+              <a:bodyPr wrap="none" rtlCol="0">
+                <a:spAutoFit/>
+              </a:bodyPr>
+              <a:lstStyle/>
+              <a:p>
+                <a:pPr/>
+                <a14:m>
+                  <m:oMathPara xmlns:m="http://schemas.openxmlformats.org/officeDocument/2006/math">
+                    <m:oMathParaPr>
+                      <m:jc m:val="centerGroup"/>
+                    </m:oMathParaPr>
+                    <m:oMath xmlns:m="http://schemas.openxmlformats.org/officeDocument/2006/math">
+                      <m:sSub>
+                        <m:sSubPr>
+                          <m:ctrlPr>
+                            <a:rPr lang="en-US" sz="1050" i="1" smtClean="0">
+                              <a:latin typeface="Cambria Math" panose="02040503050406030204" pitchFamily="18" charset="0"/>
+                            </a:rPr>
+                          </m:ctrlPr>
+                        </m:sSubPr>
+                        <m:e>
+                          <m:r>
+                            <a:rPr lang="en-US" sz="1050" b="0" i="1" smtClean="0">
+                              <a:latin typeface="Cambria Math" panose="02040503050406030204" pitchFamily="18" charset="0"/>
+                            </a:rPr>
+                            <m:t>𝑆</m:t>
+                          </m:r>
+                        </m:e>
+                        <m:sub>
+                          <m:r>
+                            <a:rPr lang="en-US" sz="1050" b="0" i="1" smtClean="0">
+                              <a:latin typeface="Cambria Math" panose="02040503050406030204" pitchFamily="18" charset="0"/>
+                            </a:rPr>
+                            <m:t>5</m:t>
+                          </m:r>
+                        </m:sub>
+                      </m:sSub>
+                    </m:oMath>
+                  </m:oMathPara>
+                </a14:m>
+                <a:endParaRPr lang="en-US" sz="1050" dirty="0"/>
+              </a:p>
+            </p:txBody>
+          </p:sp>
+        </mc:Choice>
+        <mc:Fallback xmlns="">
+          <p:sp>
+            <p:nvSpPr>
+              <p:cNvPr id="9" name="TextBox 8">
+                <a:extLst>
+                  <a:ext uri="{FF2B5EF4-FFF2-40B4-BE49-F238E27FC236}">
+                    <a16:creationId xmlns:a16="http://schemas.microsoft.com/office/drawing/2014/main" id="{78C76B73-13AB-DC8A-9699-E4820EF039A8}"/>
+                  </a:ext>
+                </a:extLst>
+              </p:cNvPr>
+              <p:cNvSpPr txBox="1">
+                <a:spLocks noRot="1" noChangeAspect="1" noMove="1" noResize="1" noEditPoints="1" noAdjustHandles="1" noChangeArrowheads="1" noChangeShapeType="1" noTextEdit="1"/>
+              </p:cNvSpPr>
+              <p:nvPr/>
+            </p:nvSpPr>
+            <p:spPr>
+              <a:xfrm>
+                <a:off x="4098657" y="1269488"/>
+                <a:ext cx="338234" cy="253916"/>
+              </a:xfrm>
+              <a:prstGeom prst="rect">
+                <a:avLst/>
+              </a:prstGeom>
+              <a:blipFill>
+                <a:blip r:embed="rId4"/>
+                <a:stretch>
+                  <a:fillRect/>
+                </a:stretch>
+              </a:blipFill>
+            </p:spPr>
+            <p:txBody>
+              <a:bodyPr/>
+              <a:lstStyle/>
+              <a:p>
+                <a:r>
+                  <a:rPr lang="en-US">
+                    <a:noFill/>
+                  </a:rPr>
+                  <a:t> </a:t>
+                </a:r>
+              </a:p>
+            </p:txBody>
+          </p:sp>
+        </mc:Fallback>
+      </mc:AlternateContent>
+      <p:sp>
+        <p:nvSpPr>
+          <p:cNvPr id="10" name="Left Brace 9">
+            <a:extLst>
+              <a:ext uri="{FF2B5EF4-FFF2-40B4-BE49-F238E27FC236}">
+                <a16:creationId xmlns:a16="http://schemas.microsoft.com/office/drawing/2014/main" id="{D152FFDE-7422-AEC7-7BDE-B739650E593F}"/>
+              </a:ext>
+            </a:extLst>
+          </p:cNvPr>
+          <p:cNvSpPr/>
+          <p:nvPr/>
+        </p:nvSpPr>
+        <p:spPr>
+          <a:xfrm rot="16200000" flipH="1" flipV="1">
+            <a:off x="4720584" y="1996261"/>
+            <a:ext cx="98451" cy="1337367"/>
+          </a:xfrm>
+          <a:prstGeom prst="leftBrace">
+            <a:avLst>
+              <a:gd name="adj1" fmla="val 151807"/>
+              <a:gd name="adj2" fmla="val 50000"/>
+            </a:avLst>
+          </a:prstGeom>
+          <a:ln w="12700">
+            <a:solidFill>
+              <a:srgbClr val="747474"/>
+            </a:solidFill>
+          </a:ln>
+        </p:spPr>
+        <p:style>
+          <a:lnRef idx="2">
+            <a:schemeClr val="accent1"/>
+          </a:lnRef>
+          <a:fillRef idx="0">
+            <a:schemeClr val="accent1"/>
+          </a:fillRef>
+          <a:effectRef idx="1">
+            <a:schemeClr val="accent1"/>
+          </a:effectRef>
+          <a:fontRef idx="minor">
+            <a:schemeClr val="tx1"/>
+          </a:fontRef>
+        </p:style>
+        <p:txBody>
+          <a:bodyPr rtlCol="0" anchor="ctr"/>
+          <a:lstStyle/>
+          <a:p>
+            <a:pPr algn="ctr"/>
+            <a:endParaRPr lang="en-US"/>
+          </a:p>
+        </p:txBody>
+      </p:sp>
+      <mc:AlternateContent xmlns:mc="http://schemas.openxmlformats.org/markup-compatibility/2006" xmlns:a14="http://schemas.microsoft.com/office/drawing/2010/main">
+        <mc:Choice Requires="a14">
+          <p:sp>
+            <p:nvSpPr>
+              <p:cNvPr id="11" name="TextBox 10">
+                <a:extLst>
+                  <a:ext uri="{FF2B5EF4-FFF2-40B4-BE49-F238E27FC236}">
+                    <a16:creationId xmlns:a16="http://schemas.microsoft.com/office/drawing/2014/main" id="{A7065FFD-3E02-BC4D-3A53-26F159CD5B59}"/>
+                  </a:ext>
+                </a:extLst>
+              </p:cNvPr>
+              <p:cNvSpPr txBox="1"/>
+              <p:nvPr/>
+            </p:nvSpPr>
+            <p:spPr>
+              <a:xfrm>
+                <a:off x="4600692" y="2411029"/>
+                <a:ext cx="391197" cy="253916"/>
+              </a:xfrm>
+              <a:prstGeom prst="rect">
+                <a:avLst/>
+              </a:prstGeom>
+              <a:noFill/>
+            </p:spPr>
+            <p:txBody>
+              <a:bodyPr wrap="none" rtlCol="0">
+                <a:spAutoFit/>
+              </a:bodyPr>
+              <a:lstStyle/>
+              <a:p>
+                <a:pPr/>
+                <a14:m>
+                  <m:oMathPara xmlns:m="http://schemas.openxmlformats.org/officeDocument/2006/math">
+                    <m:oMathParaPr>
+                      <m:jc m:val="centerGroup"/>
+                    </m:oMathParaPr>
+                    <m:oMath xmlns:m="http://schemas.openxmlformats.org/officeDocument/2006/math">
+                      <m:sSub>
+                        <m:sSubPr>
+                          <m:ctrlPr>
+                            <a:rPr lang="en-US" sz="1050" i="1" smtClean="0">
+                              <a:latin typeface="Cambria Math" panose="02040503050406030204" pitchFamily="18" charset="0"/>
+                            </a:rPr>
+                          </m:ctrlPr>
+                        </m:sSubPr>
+                        <m:e>
+                          <m:r>
+                            <a:rPr lang="en-US" sz="1050" b="0" i="1" smtClean="0">
+                              <a:latin typeface="Cambria Math" panose="02040503050406030204" pitchFamily="18" charset="0"/>
+                            </a:rPr>
+                            <m:t>𝑆</m:t>
+                          </m:r>
+                        </m:e>
+                        <m:sub>
+                          <m:r>
+                            <a:rPr lang="en-US" sz="1050" b="0" i="1" smtClean="0">
+                              <a:latin typeface="Cambria Math" panose="02040503050406030204" pitchFamily="18" charset="0"/>
+                            </a:rPr>
+                            <m:t>10</m:t>
+                          </m:r>
+                        </m:sub>
+                      </m:sSub>
+                    </m:oMath>
+                  </m:oMathPara>
+                </a14:m>
+                <a:endParaRPr lang="en-US" sz="1050" dirty="0"/>
+              </a:p>
+            </p:txBody>
+          </p:sp>
+        </mc:Choice>
+        <mc:Fallback xmlns="">
+          <p:sp>
+            <p:nvSpPr>
+              <p:cNvPr id="11" name="TextBox 10">
+                <a:extLst>
+                  <a:ext uri="{FF2B5EF4-FFF2-40B4-BE49-F238E27FC236}">
+                    <a16:creationId xmlns:a16="http://schemas.microsoft.com/office/drawing/2014/main" id="{A7065FFD-3E02-BC4D-3A53-26F159CD5B59}"/>
+                  </a:ext>
+                </a:extLst>
+              </p:cNvPr>
+              <p:cNvSpPr txBox="1">
+                <a:spLocks noRot="1" noChangeAspect="1" noMove="1" noResize="1" noEditPoints="1" noAdjustHandles="1" noChangeArrowheads="1" noChangeShapeType="1" noTextEdit="1"/>
+              </p:cNvSpPr>
+              <p:nvPr/>
+            </p:nvSpPr>
+            <p:spPr>
+              <a:xfrm>
+                <a:off x="4600692" y="2411029"/>
+                <a:ext cx="391197" cy="253916"/>
+              </a:xfrm>
+              <a:prstGeom prst="rect">
+                <a:avLst/>
+              </a:prstGeom>
+              <a:blipFill>
+                <a:blip r:embed="rId5"/>
+                <a:stretch>
+                  <a:fillRect/>
+                </a:stretch>
+              </a:blipFill>
+            </p:spPr>
+            <p:txBody>
+              <a:bodyPr/>
+              <a:lstStyle/>
+              <a:p>
+                <a:r>
+                  <a:rPr lang="en-US">
+                    <a:noFill/>
+                  </a:rPr>
+                  <a:t> </a:t>
+                </a:r>
+              </a:p>
+            </p:txBody>
+          </p:sp>
+        </mc:Fallback>
+      </mc:AlternateContent>
+    </p:spTree>
+    <p:extLst>
+      <p:ext uri="{BB962C8B-B14F-4D97-AF65-F5344CB8AC3E}">
+        <p14:creationId xmlns:p14="http://schemas.microsoft.com/office/powerpoint/2010/main" val="1728505540"/>
       </p:ext>
     </p:extLst>
   </p:cSld>

--- a/Figure1.pptx
+++ b/Figure1.pptx
@@ -255,7 +255,7 @@
           <a:p>
             <a:fld id="{5016C568-F972-E94D-9C78-2E5FD88D3083}" type="datetimeFigureOut">
               <a:rPr lang="en-US" smtClean="0"/>
-              <a:t>12/22/24</a:t>
+              <a:t>1/28/25</a:t>
             </a:fld>
             <a:endParaRPr lang="en-US"/>
           </a:p>
@@ -425,7 +425,7 @@
           <a:p>
             <a:fld id="{5016C568-F972-E94D-9C78-2E5FD88D3083}" type="datetimeFigureOut">
               <a:rPr lang="en-US" smtClean="0"/>
-              <a:t>12/22/24</a:t>
+              <a:t>1/28/25</a:t>
             </a:fld>
             <a:endParaRPr lang="en-US"/>
           </a:p>
@@ -605,7 +605,7 @@
           <a:p>
             <a:fld id="{5016C568-F972-E94D-9C78-2E5FD88D3083}" type="datetimeFigureOut">
               <a:rPr lang="en-US" smtClean="0"/>
-              <a:t>12/22/24</a:t>
+              <a:t>1/28/25</a:t>
             </a:fld>
             <a:endParaRPr lang="en-US"/>
           </a:p>
@@ -775,7 +775,7 @@
           <a:p>
             <a:fld id="{5016C568-F972-E94D-9C78-2E5FD88D3083}" type="datetimeFigureOut">
               <a:rPr lang="en-US" smtClean="0"/>
-              <a:t>12/22/24</a:t>
+              <a:t>1/28/25</a:t>
             </a:fld>
             <a:endParaRPr lang="en-US"/>
           </a:p>
@@ -1021,7 +1021,7 @@
           <a:p>
             <a:fld id="{5016C568-F972-E94D-9C78-2E5FD88D3083}" type="datetimeFigureOut">
               <a:rPr lang="en-US" smtClean="0"/>
-              <a:t>12/22/24</a:t>
+              <a:t>1/28/25</a:t>
             </a:fld>
             <a:endParaRPr lang="en-US"/>
           </a:p>
@@ -1253,7 +1253,7 @@
           <a:p>
             <a:fld id="{5016C568-F972-E94D-9C78-2E5FD88D3083}" type="datetimeFigureOut">
               <a:rPr lang="en-US" smtClean="0"/>
-              <a:t>12/22/24</a:t>
+              <a:t>1/28/25</a:t>
             </a:fld>
             <a:endParaRPr lang="en-US"/>
           </a:p>
@@ -1620,7 +1620,7 @@
           <a:p>
             <a:fld id="{5016C568-F972-E94D-9C78-2E5FD88D3083}" type="datetimeFigureOut">
               <a:rPr lang="en-US" smtClean="0"/>
-              <a:t>12/22/24</a:t>
+              <a:t>1/28/25</a:t>
             </a:fld>
             <a:endParaRPr lang="en-US"/>
           </a:p>
@@ -1738,7 +1738,7 @@
           <a:p>
             <a:fld id="{5016C568-F972-E94D-9C78-2E5FD88D3083}" type="datetimeFigureOut">
               <a:rPr lang="en-US" smtClean="0"/>
-              <a:t>12/22/24</a:t>
+              <a:t>1/28/25</a:t>
             </a:fld>
             <a:endParaRPr lang="en-US"/>
           </a:p>
@@ -1833,7 +1833,7 @@
           <a:p>
             <a:fld id="{5016C568-F972-E94D-9C78-2E5FD88D3083}" type="datetimeFigureOut">
               <a:rPr lang="en-US" smtClean="0"/>
-              <a:t>12/22/24</a:t>
+              <a:t>1/28/25</a:t>
             </a:fld>
             <a:endParaRPr lang="en-US"/>
           </a:p>
@@ -2110,7 +2110,7 @@
           <a:p>
             <a:fld id="{5016C568-F972-E94D-9C78-2E5FD88D3083}" type="datetimeFigureOut">
               <a:rPr lang="en-US" smtClean="0"/>
-              <a:t>12/22/24</a:t>
+              <a:t>1/28/25</a:t>
             </a:fld>
             <a:endParaRPr lang="en-US"/>
           </a:p>
@@ -2367,7 +2367,7 @@
           <a:p>
             <a:fld id="{5016C568-F972-E94D-9C78-2E5FD88D3083}" type="datetimeFigureOut">
               <a:rPr lang="en-US" smtClean="0"/>
-              <a:t>12/22/24</a:t>
+              <a:t>1/28/25</a:t>
             </a:fld>
             <a:endParaRPr lang="en-US"/>
           </a:p>
@@ -2580,7 +2580,7 @@
           <a:p>
             <a:fld id="{5016C568-F972-E94D-9C78-2E5FD88D3083}" type="datetimeFigureOut">
               <a:rPr lang="en-US" smtClean="0"/>
-              <a:t>12/22/24</a:t>
+              <a:t>1/28/25</a:t>
             </a:fld>
             <a:endParaRPr lang="en-US"/>
           </a:p>
@@ -3900,10 +3900,10 @@
       </p:grpSpPr>
       <p:pic>
         <p:nvPicPr>
-          <p:cNvPr id="3" name="Picture 2">
+          <p:cNvPr id="21" name="Picture 20">
             <a:extLst>
               <a:ext uri="{FF2B5EF4-FFF2-40B4-BE49-F238E27FC236}">
-                <a16:creationId xmlns:a16="http://schemas.microsoft.com/office/drawing/2014/main" id="{C80D96E5-93E2-0D50-BC4D-76C50BB8DCD8}"/>
+                <a16:creationId xmlns:a16="http://schemas.microsoft.com/office/drawing/2014/main" id="{A51BAC02-A210-A2D2-04D2-375BA90A5891}"/>
               </a:ext>
             </a:extLst>
           </p:cNvPr>
@@ -3920,14 +3920,430 @@
         </p:blipFill>
         <p:spPr>
           <a:xfrm>
-            <a:off x="2552700" y="0"/>
-            <a:ext cx="4800600" cy="6858000"/>
+            <a:off x="1369161" y="0"/>
+            <a:ext cx="4987636" cy="6858000"/>
           </a:xfrm>
           <a:prstGeom prst="rect">
             <a:avLst/>
           </a:prstGeom>
         </p:spPr>
       </p:pic>
+      <p:sp>
+        <p:nvSpPr>
+          <p:cNvPr id="12" name="Rectangle 11">
+            <a:extLst>
+              <a:ext uri="{FF2B5EF4-FFF2-40B4-BE49-F238E27FC236}">
+                <a16:creationId xmlns:a16="http://schemas.microsoft.com/office/drawing/2014/main" id="{37148150-69E9-7D34-D86A-1F1B40EFB786}"/>
+              </a:ext>
+            </a:extLst>
+          </p:cNvPr>
+          <p:cNvSpPr/>
+          <p:nvPr/>
+        </p:nvSpPr>
+        <p:spPr>
+          <a:xfrm>
+            <a:off x="3412901" y="77273"/>
+            <a:ext cx="186744" cy="6555347"/>
+          </a:xfrm>
+          <a:prstGeom prst="rect">
+            <a:avLst/>
+          </a:prstGeom>
+          <a:solidFill>
+            <a:schemeClr val="bg1"/>
+          </a:solidFill>
+          <a:ln>
+            <a:noFill/>
+          </a:ln>
+        </p:spPr>
+        <p:style>
+          <a:lnRef idx="2">
+            <a:schemeClr val="accent1">
+              <a:shade val="15000"/>
+            </a:schemeClr>
+          </a:lnRef>
+          <a:fillRef idx="1">
+            <a:schemeClr val="accent1"/>
+          </a:fillRef>
+          <a:effectRef idx="0">
+            <a:schemeClr val="accent1"/>
+          </a:effectRef>
+          <a:fontRef idx="minor">
+            <a:schemeClr val="lt1"/>
+          </a:fontRef>
+        </p:style>
+        <p:txBody>
+          <a:bodyPr rtlCol="0" anchor="ctr"/>
+          <a:lstStyle/>
+          <a:p>
+            <a:pPr algn="ctr"/>
+            <a:endParaRPr lang="en-US"/>
+          </a:p>
+        </p:txBody>
+      </p:sp>
+      <p:sp>
+        <p:nvSpPr>
+          <p:cNvPr id="13" name="Rectangle 12">
+            <a:extLst>
+              <a:ext uri="{FF2B5EF4-FFF2-40B4-BE49-F238E27FC236}">
+                <a16:creationId xmlns:a16="http://schemas.microsoft.com/office/drawing/2014/main" id="{B48C2098-1874-1A3B-59C1-3B6EB1BB8CCF}"/>
+              </a:ext>
+            </a:extLst>
+          </p:cNvPr>
+          <p:cNvSpPr/>
+          <p:nvPr/>
+        </p:nvSpPr>
+        <p:spPr>
+          <a:xfrm>
+            <a:off x="5368822" y="95436"/>
+            <a:ext cx="186744" cy="6555347"/>
+          </a:xfrm>
+          <a:prstGeom prst="rect">
+            <a:avLst/>
+          </a:prstGeom>
+          <a:solidFill>
+            <a:schemeClr val="bg1"/>
+          </a:solidFill>
+          <a:ln>
+            <a:noFill/>
+          </a:ln>
+        </p:spPr>
+        <p:style>
+          <a:lnRef idx="2">
+            <a:schemeClr val="accent1">
+              <a:shade val="15000"/>
+            </a:schemeClr>
+          </a:lnRef>
+          <a:fillRef idx="1">
+            <a:schemeClr val="accent1"/>
+          </a:fillRef>
+          <a:effectRef idx="0">
+            <a:schemeClr val="accent1"/>
+          </a:effectRef>
+          <a:fontRef idx="minor">
+            <a:schemeClr val="lt1"/>
+          </a:fontRef>
+        </p:style>
+        <p:txBody>
+          <a:bodyPr rtlCol="0" anchor="ctr"/>
+          <a:lstStyle/>
+          <a:p>
+            <a:pPr algn="ctr"/>
+            <a:endParaRPr lang="en-US"/>
+          </a:p>
+        </p:txBody>
+      </p:sp>
+      <p:sp>
+        <p:nvSpPr>
+          <p:cNvPr id="14" name="Rectangle 13">
+            <a:extLst>
+              <a:ext uri="{FF2B5EF4-FFF2-40B4-BE49-F238E27FC236}">
+                <a16:creationId xmlns:a16="http://schemas.microsoft.com/office/drawing/2014/main" id="{AAEF2A2B-C87C-9212-8078-A6387ECAF530}"/>
+              </a:ext>
+            </a:extLst>
+          </p:cNvPr>
+          <p:cNvSpPr/>
+          <p:nvPr/>
+        </p:nvSpPr>
+        <p:spPr>
+          <a:xfrm>
+            <a:off x="3599645" y="167425"/>
+            <a:ext cx="2807594" cy="173865"/>
+          </a:xfrm>
+          <a:prstGeom prst="rect">
+            <a:avLst/>
+          </a:prstGeom>
+          <a:solidFill>
+            <a:schemeClr val="bg1"/>
+          </a:solidFill>
+          <a:ln>
+            <a:noFill/>
+          </a:ln>
+        </p:spPr>
+        <p:style>
+          <a:lnRef idx="2">
+            <a:schemeClr val="accent1">
+              <a:shade val="15000"/>
+            </a:schemeClr>
+          </a:lnRef>
+          <a:fillRef idx="1">
+            <a:schemeClr val="accent1"/>
+          </a:fillRef>
+          <a:effectRef idx="0">
+            <a:schemeClr val="accent1"/>
+          </a:effectRef>
+          <a:fontRef idx="minor">
+            <a:schemeClr val="lt1"/>
+          </a:fontRef>
+        </p:style>
+        <p:txBody>
+          <a:bodyPr rtlCol="0" anchor="ctr"/>
+          <a:lstStyle/>
+          <a:p>
+            <a:pPr algn="ctr"/>
+            <a:endParaRPr lang="en-US"/>
+          </a:p>
+        </p:txBody>
+      </p:sp>
+      <p:sp>
+        <p:nvSpPr>
+          <p:cNvPr id="15" name="Rectangle 14">
+            <a:extLst>
+              <a:ext uri="{FF2B5EF4-FFF2-40B4-BE49-F238E27FC236}">
+                <a16:creationId xmlns:a16="http://schemas.microsoft.com/office/drawing/2014/main" id="{B61296A5-9A33-67D3-36A1-6D35D1BC19AE}"/>
+              </a:ext>
+            </a:extLst>
+          </p:cNvPr>
+          <p:cNvSpPr/>
+          <p:nvPr/>
+        </p:nvSpPr>
+        <p:spPr>
+          <a:xfrm>
+            <a:off x="3549203" y="1333882"/>
+            <a:ext cx="2807594" cy="173865"/>
+          </a:xfrm>
+          <a:prstGeom prst="rect">
+            <a:avLst/>
+          </a:prstGeom>
+          <a:solidFill>
+            <a:schemeClr val="bg1"/>
+          </a:solidFill>
+          <a:ln>
+            <a:noFill/>
+          </a:ln>
+        </p:spPr>
+        <p:style>
+          <a:lnRef idx="2">
+            <a:schemeClr val="accent1">
+              <a:shade val="15000"/>
+            </a:schemeClr>
+          </a:lnRef>
+          <a:fillRef idx="1">
+            <a:schemeClr val="accent1"/>
+          </a:fillRef>
+          <a:effectRef idx="0">
+            <a:schemeClr val="accent1"/>
+          </a:effectRef>
+          <a:fontRef idx="minor">
+            <a:schemeClr val="lt1"/>
+          </a:fontRef>
+        </p:style>
+        <p:txBody>
+          <a:bodyPr rtlCol="0" anchor="ctr"/>
+          <a:lstStyle/>
+          <a:p>
+            <a:pPr algn="ctr"/>
+            <a:endParaRPr lang="en-US"/>
+          </a:p>
+        </p:txBody>
+      </p:sp>
+      <p:sp>
+        <p:nvSpPr>
+          <p:cNvPr id="16" name="Rectangle 15">
+            <a:extLst>
+              <a:ext uri="{FF2B5EF4-FFF2-40B4-BE49-F238E27FC236}">
+                <a16:creationId xmlns:a16="http://schemas.microsoft.com/office/drawing/2014/main" id="{EF25DF63-8BB9-A4A1-24C4-67989ABD92F0}"/>
+              </a:ext>
+            </a:extLst>
+          </p:cNvPr>
+          <p:cNvSpPr/>
+          <p:nvPr/>
+        </p:nvSpPr>
+        <p:spPr>
+          <a:xfrm>
+            <a:off x="3638945" y="2446737"/>
+            <a:ext cx="2807594" cy="173865"/>
+          </a:xfrm>
+          <a:prstGeom prst="rect">
+            <a:avLst/>
+          </a:prstGeom>
+          <a:solidFill>
+            <a:schemeClr val="bg1"/>
+          </a:solidFill>
+          <a:ln>
+            <a:noFill/>
+          </a:ln>
+        </p:spPr>
+        <p:style>
+          <a:lnRef idx="2">
+            <a:schemeClr val="accent1">
+              <a:shade val="15000"/>
+            </a:schemeClr>
+          </a:lnRef>
+          <a:fillRef idx="1">
+            <a:schemeClr val="accent1"/>
+          </a:fillRef>
+          <a:effectRef idx="0">
+            <a:schemeClr val="accent1"/>
+          </a:effectRef>
+          <a:fontRef idx="minor">
+            <a:schemeClr val="lt1"/>
+          </a:fontRef>
+        </p:style>
+        <p:txBody>
+          <a:bodyPr rtlCol="0" anchor="ctr"/>
+          <a:lstStyle/>
+          <a:p>
+            <a:pPr algn="ctr"/>
+            <a:endParaRPr lang="en-US"/>
+          </a:p>
+        </p:txBody>
+      </p:sp>
+      <p:sp>
+        <p:nvSpPr>
+          <p:cNvPr id="17" name="Rectangle 16">
+            <a:extLst>
+              <a:ext uri="{FF2B5EF4-FFF2-40B4-BE49-F238E27FC236}">
+                <a16:creationId xmlns:a16="http://schemas.microsoft.com/office/drawing/2014/main" id="{EA3F7DBB-C9FD-601D-0F0E-DA8EE0EE3B72}"/>
+              </a:ext>
+            </a:extLst>
+          </p:cNvPr>
+          <p:cNvSpPr/>
+          <p:nvPr/>
+        </p:nvSpPr>
+        <p:spPr>
+          <a:xfrm>
+            <a:off x="3549203" y="3601637"/>
+            <a:ext cx="2807594" cy="173865"/>
+          </a:xfrm>
+          <a:prstGeom prst="rect">
+            <a:avLst/>
+          </a:prstGeom>
+          <a:solidFill>
+            <a:schemeClr val="bg1"/>
+          </a:solidFill>
+          <a:ln>
+            <a:noFill/>
+          </a:ln>
+        </p:spPr>
+        <p:style>
+          <a:lnRef idx="2">
+            <a:schemeClr val="accent1">
+              <a:shade val="15000"/>
+            </a:schemeClr>
+          </a:lnRef>
+          <a:fillRef idx="1">
+            <a:schemeClr val="accent1"/>
+          </a:fillRef>
+          <a:effectRef idx="0">
+            <a:schemeClr val="accent1"/>
+          </a:effectRef>
+          <a:fontRef idx="minor">
+            <a:schemeClr val="lt1"/>
+          </a:fontRef>
+        </p:style>
+        <p:txBody>
+          <a:bodyPr rtlCol="0" anchor="ctr"/>
+          <a:lstStyle/>
+          <a:p>
+            <a:pPr algn="ctr"/>
+            <a:endParaRPr lang="en-US"/>
+          </a:p>
+        </p:txBody>
+      </p:sp>
+      <p:sp>
+        <p:nvSpPr>
+          <p:cNvPr id="18" name="Rectangle 17">
+            <a:extLst>
+              <a:ext uri="{FF2B5EF4-FFF2-40B4-BE49-F238E27FC236}">
+                <a16:creationId xmlns:a16="http://schemas.microsoft.com/office/drawing/2014/main" id="{5EF2C503-DE29-0069-E96A-C95670EBC590}"/>
+              </a:ext>
+            </a:extLst>
+          </p:cNvPr>
+          <p:cNvSpPr/>
+          <p:nvPr/>
+        </p:nvSpPr>
+        <p:spPr>
+          <a:xfrm>
+            <a:off x="3638945" y="4709375"/>
+            <a:ext cx="2807594" cy="173865"/>
+          </a:xfrm>
+          <a:prstGeom prst="rect">
+            <a:avLst/>
+          </a:prstGeom>
+          <a:solidFill>
+            <a:schemeClr val="bg1"/>
+          </a:solidFill>
+          <a:ln>
+            <a:noFill/>
+          </a:ln>
+        </p:spPr>
+        <p:style>
+          <a:lnRef idx="2">
+            <a:schemeClr val="accent1">
+              <a:shade val="15000"/>
+            </a:schemeClr>
+          </a:lnRef>
+          <a:fillRef idx="1">
+            <a:schemeClr val="accent1"/>
+          </a:fillRef>
+          <a:effectRef idx="0">
+            <a:schemeClr val="accent1"/>
+          </a:effectRef>
+          <a:fontRef idx="minor">
+            <a:schemeClr val="lt1"/>
+          </a:fontRef>
+        </p:style>
+        <p:txBody>
+          <a:bodyPr rtlCol="0" anchor="ctr"/>
+          <a:lstStyle/>
+          <a:p>
+            <a:pPr algn="ctr"/>
+            <a:endParaRPr lang="en-US"/>
+          </a:p>
+        </p:txBody>
+      </p:sp>
+      <p:sp>
+        <p:nvSpPr>
+          <p:cNvPr id="19" name="Rectangle 18">
+            <a:extLst>
+              <a:ext uri="{FF2B5EF4-FFF2-40B4-BE49-F238E27FC236}">
+                <a16:creationId xmlns:a16="http://schemas.microsoft.com/office/drawing/2014/main" id="{70D5C79E-64D2-D42E-561B-21F930A38C12}"/>
+              </a:ext>
+            </a:extLst>
+          </p:cNvPr>
+          <p:cNvSpPr/>
+          <p:nvPr/>
+        </p:nvSpPr>
+        <p:spPr>
+          <a:xfrm>
+            <a:off x="3599645" y="5835513"/>
+            <a:ext cx="2807594" cy="173865"/>
+          </a:xfrm>
+          <a:prstGeom prst="rect">
+            <a:avLst/>
+          </a:prstGeom>
+          <a:solidFill>
+            <a:schemeClr val="bg1"/>
+          </a:solidFill>
+          <a:ln>
+            <a:noFill/>
+          </a:ln>
+        </p:spPr>
+        <p:style>
+          <a:lnRef idx="2">
+            <a:schemeClr val="accent1">
+              <a:shade val="15000"/>
+            </a:schemeClr>
+          </a:lnRef>
+          <a:fillRef idx="1">
+            <a:schemeClr val="accent1"/>
+          </a:fillRef>
+          <a:effectRef idx="0">
+            <a:schemeClr val="accent1"/>
+          </a:effectRef>
+          <a:fontRef idx="minor">
+            <a:schemeClr val="lt1"/>
+          </a:fontRef>
+        </p:style>
+        <p:txBody>
+          <a:bodyPr rtlCol="0" anchor="ctr"/>
+          <a:lstStyle/>
+          <a:p>
+            <a:pPr algn="ctr"/>
+            <a:endParaRPr lang="en-US"/>
+          </a:p>
+        </p:txBody>
+      </p:sp>
       <p:sp>
         <p:nvSpPr>
           <p:cNvPr id="6" name="Left Brace 5">
@@ -3942,8 +4358,8 @@
         </p:nvSpPr>
         <p:spPr>
           <a:xfrm rot="5400000">
-            <a:off x="3899743" y="252143"/>
-            <a:ext cx="98450" cy="299378"/>
+            <a:off x="4184569" y="253486"/>
+            <a:ext cx="98585" cy="231775"/>
           </a:xfrm>
           <a:prstGeom prst="leftBrace">
             <a:avLst>
@@ -3980,60 +4396,8 @@
           </a:p>
         </p:txBody>
       </p:sp>
-      <p:sp>
-        <p:nvSpPr>
-          <p:cNvPr id="7" name="Left Brace 6">
-            <a:extLst>
-              <a:ext uri="{FF2B5EF4-FFF2-40B4-BE49-F238E27FC236}">
-                <a16:creationId xmlns:a16="http://schemas.microsoft.com/office/drawing/2014/main" id="{599C8907-0557-1A8F-37D5-7F29C399CFBA}"/>
-              </a:ext>
-            </a:extLst>
-          </p:cNvPr>
-          <p:cNvSpPr/>
-          <p:nvPr/>
-        </p:nvSpPr>
-        <p:spPr>
-          <a:xfrm rot="16200000" flipH="1" flipV="1">
-            <a:off x="4200549" y="1235386"/>
-            <a:ext cx="98451" cy="597823"/>
-          </a:xfrm>
-          <a:prstGeom prst="leftBrace">
-            <a:avLst>
-              <a:gd name="adj1" fmla="val 151807"/>
-              <a:gd name="adj2" fmla="val 50000"/>
-            </a:avLst>
-          </a:prstGeom>
-          <a:ln w="12700">
-            <a:solidFill>
-              <a:srgbClr val="747474"/>
-            </a:solidFill>
-          </a:ln>
-        </p:spPr>
-        <p:style>
-          <a:lnRef idx="2">
-            <a:schemeClr val="accent1"/>
-          </a:lnRef>
-          <a:fillRef idx="0">
-            <a:schemeClr val="accent1"/>
-          </a:fillRef>
-          <a:effectRef idx="1">
-            <a:schemeClr val="accent1"/>
-          </a:effectRef>
-          <a:fontRef idx="minor">
-            <a:schemeClr val="tx1"/>
-          </a:fontRef>
-        </p:style>
-        <p:txBody>
-          <a:bodyPr rtlCol="0" anchor="ctr"/>
-          <a:lstStyle/>
-          <a:p>
-            <a:pPr algn="ctr"/>
-            <a:endParaRPr lang="en-US"/>
-          </a:p>
-        </p:txBody>
-      </p:sp>
-      <mc:AlternateContent xmlns:mc="http://schemas.openxmlformats.org/markup-compatibility/2006" xmlns:a14="http://schemas.microsoft.com/office/drawing/2010/main">
-        <mc:Choice Requires="a14">
+      <mc:AlternateContent xmlns:mc="http://schemas.openxmlformats.org/markup-compatibility/2006">
+        <mc:Choice xmlns:a14="http://schemas.microsoft.com/office/drawing/2010/main" Requires="a14">
           <p:sp>
             <p:nvSpPr>
               <p:cNvPr id="8" name="TextBox 7">
@@ -4048,8 +4412,8 @@
             </p:nvSpPr>
             <p:spPr>
               <a:xfrm>
-                <a:off x="3783404" y="143421"/>
-                <a:ext cx="347788" cy="261610"/>
+                <a:off x="4094997" y="165274"/>
+                <a:ext cx="303032" cy="215444"/>
               </a:xfrm>
               <a:prstGeom prst="rect">
                 <a:avLst/>
@@ -4072,14 +4436,14 @@
                       <m:sSub>
                         <m:sSubPr>
                           <m:ctrlPr>
-                            <a:rPr lang="en-US" sz="1050" i="1" smtClean="0">
+                            <a:rPr lang="en-US" sz="800" i="1" smtClean="0">
                               <a:latin typeface="Cambria Math" panose="02040503050406030204" pitchFamily="18" charset="0"/>
                             </a:rPr>
                           </m:ctrlPr>
                         </m:sSubPr>
                         <m:e>
                           <m:r>
-                            <a:rPr lang="en-US" sz="1050" b="0" i="1" smtClean="0">
+                            <a:rPr lang="en-US" sz="800" b="0" i="1" smtClean="0">
                               <a:latin typeface="Cambria Math" panose="02040503050406030204" pitchFamily="18" charset="0"/>
                             </a:rPr>
                             <m:t>𝑆</m:t>
@@ -4087,7 +4451,7 @@
                         </m:e>
                         <m:sub>
                           <m:r>
-                            <a:rPr lang="en-US" sz="1050" b="0" i="1" smtClean="0">
+                            <a:rPr lang="en-US" sz="800" b="0" i="1" smtClean="0">
                               <a:latin typeface="Cambria Math" panose="02040503050406030204" pitchFamily="18" charset="0"/>
                             </a:rPr>
                             <m:t>3</m:t>
@@ -4097,12 +4461,12 @@
                     </m:oMath>
                   </m:oMathPara>
                 </a14:m>
-                <a:endParaRPr lang="en-US" sz="1050" dirty="0"/>
+                <a:endParaRPr lang="en-US" sz="800" dirty="0"/>
               </a:p>
             </p:txBody>
           </p:sp>
         </mc:Choice>
-        <mc:Fallback xmlns="">
+        <mc:Fallback>
           <p:sp>
             <p:nvSpPr>
               <p:cNvPr id="8" name="TextBox 7">
@@ -4119,8 +4483,8 @@
             </p:nvSpPr>
             <p:spPr>
               <a:xfrm>
-                <a:off x="3783404" y="143421"/>
-                <a:ext cx="347788" cy="261610"/>
+                <a:off x="4094997" y="165274"/>
+                <a:ext cx="303032" cy="215444"/>
               </a:xfrm>
               <a:prstGeom prst="rect">
                 <a:avLst/>
@@ -4147,8 +4511,60 @@
           </p:sp>
         </mc:Fallback>
       </mc:AlternateContent>
-      <mc:AlternateContent xmlns:mc="http://schemas.openxmlformats.org/markup-compatibility/2006" xmlns:a14="http://schemas.microsoft.com/office/drawing/2010/main">
-        <mc:Choice Requires="a14">
+      <p:sp>
+        <p:nvSpPr>
+          <p:cNvPr id="7" name="Left Brace 6">
+            <a:extLst>
+              <a:ext uri="{FF2B5EF4-FFF2-40B4-BE49-F238E27FC236}">
+                <a16:creationId xmlns:a16="http://schemas.microsoft.com/office/drawing/2014/main" id="{599C8907-0557-1A8F-37D5-7F29C399CFBA}"/>
+              </a:ext>
+            </a:extLst>
+          </p:cNvPr>
+          <p:cNvSpPr/>
+          <p:nvPr/>
+        </p:nvSpPr>
+        <p:spPr>
+          <a:xfrm rot="16200000" flipH="1" flipV="1">
+            <a:off x="4344974" y="1314074"/>
+            <a:ext cx="98451" cy="381000"/>
+          </a:xfrm>
+          <a:prstGeom prst="leftBrace">
+            <a:avLst>
+              <a:gd name="adj1" fmla="val 151807"/>
+              <a:gd name="adj2" fmla="val 50000"/>
+            </a:avLst>
+          </a:prstGeom>
+          <a:ln w="12700">
+            <a:solidFill>
+              <a:srgbClr val="747474"/>
+            </a:solidFill>
+          </a:ln>
+        </p:spPr>
+        <p:style>
+          <a:lnRef idx="2">
+            <a:schemeClr val="accent1"/>
+          </a:lnRef>
+          <a:fillRef idx="0">
+            <a:schemeClr val="accent1"/>
+          </a:fillRef>
+          <a:effectRef idx="1">
+            <a:schemeClr val="accent1"/>
+          </a:effectRef>
+          <a:fontRef idx="minor">
+            <a:schemeClr val="tx1"/>
+          </a:fontRef>
+        </p:style>
+        <p:txBody>
+          <a:bodyPr rtlCol="0" anchor="ctr"/>
+          <a:lstStyle/>
+          <a:p>
+            <a:pPr algn="ctr"/>
+            <a:endParaRPr lang="en-US"/>
+          </a:p>
+        </p:txBody>
+      </p:sp>
+      <mc:AlternateContent xmlns:mc="http://schemas.openxmlformats.org/markup-compatibility/2006">
+        <mc:Choice xmlns:a14="http://schemas.microsoft.com/office/drawing/2010/main" Requires="a14">
           <p:sp>
             <p:nvSpPr>
               <p:cNvPr id="9" name="TextBox 8">
@@ -4163,8 +4579,8 @@
             </p:nvSpPr>
             <p:spPr>
               <a:xfrm>
-                <a:off x="4098657" y="1269488"/>
-                <a:ext cx="338234" cy="253916"/>
+                <a:off x="4249562" y="1297085"/>
+                <a:ext cx="303032" cy="215444"/>
               </a:xfrm>
               <a:prstGeom prst="rect">
                 <a:avLst/>
@@ -4187,14 +4603,14 @@
                       <m:sSub>
                         <m:sSubPr>
                           <m:ctrlPr>
-                            <a:rPr lang="en-US" sz="1050" i="1" smtClean="0">
+                            <a:rPr lang="en-US" sz="800" i="1" smtClean="0">
                               <a:latin typeface="Cambria Math" panose="02040503050406030204" pitchFamily="18" charset="0"/>
                             </a:rPr>
                           </m:ctrlPr>
                         </m:sSubPr>
                         <m:e>
                           <m:r>
-                            <a:rPr lang="en-US" sz="1050" b="0" i="1" smtClean="0">
+                            <a:rPr lang="en-US" sz="800" b="0" i="1" smtClean="0">
                               <a:latin typeface="Cambria Math" panose="02040503050406030204" pitchFamily="18" charset="0"/>
                             </a:rPr>
                             <m:t>𝑆</m:t>
@@ -4202,7 +4618,7 @@
                         </m:e>
                         <m:sub>
                           <m:r>
-                            <a:rPr lang="en-US" sz="1050" b="0" i="1" smtClean="0">
+                            <a:rPr lang="en-US" sz="800" b="0" i="1" smtClean="0">
                               <a:latin typeface="Cambria Math" panose="02040503050406030204" pitchFamily="18" charset="0"/>
                             </a:rPr>
                             <m:t>5</m:t>
@@ -4212,12 +4628,12 @@
                     </m:oMath>
                   </m:oMathPara>
                 </a14:m>
-                <a:endParaRPr lang="en-US" sz="1050" dirty="0"/>
+                <a:endParaRPr lang="en-US" sz="800" dirty="0"/>
               </a:p>
             </p:txBody>
           </p:sp>
         </mc:Choice>
-        <mc:Fallback xmlns="">
+        <mc:Fallback>
           <p:sp>
             <p:nvSpPr>
               <p:cNvPr id="9" name="TextBox 8">
@@ -4234,8 +4650,8 @@
             </p:nvSpPr>
             <p:spPr>
               <a:xfrm>
-                <a:off x="4098657" y="1269488"/>
-                <a:ext cx="338234" cy="253916"/>
+                <a:off x="4249562" y="1297085"/>
+                <a:ext cx="303032" cy="215444"/>
               </a:xfrm>
               <a:prstGeom prst="rect">
                 <a:avLst/>
@@ -4276,8 +4692,8 @@
         </p:nvSpPr>
         <p:spPr>
           <a:xfrm rot="16200000" flipH="1" flipV="1">
-            <a:off x="4720584" y="1996261"/>
-            <a:ext cx="98451" cy="1337367"/>
+            <a:off x="4614848" y="2246479"/>
+            <a:ext cx="98451" cy="781051"/>
           </a:xfrm>
           <a:prstGeom prst="leftBrace">
             <a:avLst>
@@ -4314,8 +4730,8 @@
           </a:p>
         </p:txBody>
       </p:sp>
-      <mc:AlternateContent xmlns:mc="http://schemas.openxmlformats.org/markup-compatibility/2006" xmlns:a14="http://schemas.microsoft.com/office/drawing/2010/main">
-        <mc:Choice Requires="a14">
+      <mc:AlternateContent xmlns:mc="http://schemas.openxmlformats.org/markup-compatibility/2006">
+        <mc:Choice xmlns:a14="http://schemas.microsoft.com/office/drawing/2010/main" Requires="a14">
           <p:sp>
             <p:nvSpPr>
               <p:cNvPr id="11" name="TextBox 10">
@@ -4330,8 +4746,8 @@
             </p:nvSpPr>
             <p:spPr>
               <a:xfrm>
-                <a:off x="4600692" y="2411029"/>
-                <a:ext cx="391197" cy="253916"/>
+                <a:off x="4523284" y="2428043"/>
+                <a:ext cx="343940" cy="215444"/>
               </a:xfrm>
               <a:prstGeom prst="rect">
                 <a:avLst/>
@@ -4354,14 +4770,14 @@
                       <m:sSub>
                         <m:sSubPr>
                           <m:ctrlPr>
-                            <a:rPr lang="en-US" sz="1050" i="1" smtClean="0">
+                            <a:rPr lang="en-US" sz="800" i="1" smtClean="0">
                               <a:latin typeface="Cambria Math" panose="02040503050406030204" pitchFamily="18" charset="0"/>
                             </a:rPr>
                           </m:ctrlPr>
                         </m:sSubPr>
                         <m:e>
                           <m:r>
-                            <a:rPr lang="en-US" sz="1050" b="0" i="1" smtClean="0">
+                            <a:rPr lang="en-US" sz="800" b="0" i="1" smtClean="0">
                               <a:latin typeface="Cambria Math" panose="02040503050406030204" pitchFamily="18" charset="0"/>
                             </a:rPr>
                             <m:t>𝑆</m:t>
@@ -4369,7 +4785,7 @@
                         </m:e>
                         <m:sub>
                           <m:r>
-                            <a:rPr lang="en-US" sz="1050" b="0" i="1" smtClean="0">
+                            <a:rPr lang="en-US" sz="800" b="0" i="1" smtClean="0">
                               <a:latin typeface="Cambria Math" panose="02040503050406030204" pitchFamily="18" charset="0"/>
                             </a:rPr>
                             <m:t>10</m:t>
@@ -4379,12 +4795,12 @@
                     </m:oMath>
                   </m:oMathPara>
                 </a14:m>
-                <a:endParaRPr lang="en-US" sz="1050" dirty="0"/>
+                <a:endParaRPr lang="en-US" sz="800" dirty="0"/>
               </a:p>
             </p:txBody>
           </p:sp>
         </mc:Choice>
-        <mc:Fallback xmlns="">
+        <mc:Fallback>
           <p:sp>
             <p:nvSpPr>
               <p:cNvPr id="11" name="TextBox 10">
@@ -4401,8 +4817,8 @@
             </p:nvSpPr>
             <p:spPr>
               <a:xfrm>
-                <a:off x="4600692" y="2411029"/>
-                <a:ext cx="391197" cy="253916"/>
+                <a:off x="4523284" y="2428043"/>
+                <a:ext cx="343940" cy="215444"/>
               </a:xfrm>
               <a:prstGeom prst="rect">
                 <a:avLst/>
